--- a/presentation/sketch_IM.pptx
+++ b/presentation/sketch_IM.pptx
@@ -5,7 +5,7 @@
     <p:sldMasterId id="2147483648" r:id="rId1"/>
   </p:sldMasterIdLst>
   <p:notesMasterIdLst>
-    <p:notesMasterId r:id="rId12"/>
+    <p:notesMasterId r:id="rId13"/>
   </p:notesMasterIdLst>
   <p:sldIdLst>
     <p:sldId id="256" r:id="rId2"/>
@@ -16,8 +16,9 @@
     <p:sldId id="276" r:id="rId7"/>
     <p:sldId id="274" r:id="rId8"/>
     <p:sldId id="263" r:id="rId9"/>
-    <p:sldId id="272" r:id="rId10"/>
-    <p:sldId id="273" r:id="rId11"/>
+    <p:sldId id="277" r:id="rId10"/>
+    <p:sldId id="272" r:id="rId11"/>
+    <p:sldId id="273" r:id="rId12"/>
   </p:sldIdLst>
   <p:sldSz cx="12192000" cy="6858000"/>
   <p:notesSz cx="6858000" cy="9144000"/>
@@ -527,15 +528,26 @@
             </a:r>
             <a:r>
               <a:rPr kumimoji="1" lang="en-US" altLang="zh-CN" dirty="0"/>
-              <a:t> CHEN from DSA Thrust. The title of my data science project is on the failure of centrality measures in Influence Maximization. The code and report are in my </a:t>
+              <a:t> CHEN from DSA Thrust.</a:t>
             </a:r>
             <a:r>
-              <a:rPr kumimoji="1" lang="en-US" altLang="zh-CN" dirty="0" err="1"/>
-              <a:t>github</a:t>
+              <a:rPr kumimoji="1" lang="zh-CN" altLang="en-US" dirty="0"/>
+              <a:t> </a:t>
             </a:r>
             <a:r>
               <a:rPr kumimoji="1" lang="en-US" altLang="zh-CN" dirty="0"/>
-              <a:t> repository. If you guys are interested, pls refer to that.</a:t>
+              <a:t>My supervisor is Prof. TANG Jing. The title of my project is </a:t>
+            </a:r>
+            <a:r>
+              <a:rPr lang="en-US" altLang="zh-CN" sz="1200" dirty="0">
+                <a:latin typeface="Times New Roman" panose="02020603050405020304" pitchFamily="18" charset="0"/>
+                <a:cs typeface="Times New Roman" panose="02020603050405020304" pitchFamily="18" charset="0"/>
+              </a:rPr>
+              <a:t>Further Sketching for Influence Maximization</a:t>
+            </a:r>
+            <a:r>
+              <a:rPr kumimoji="1" lang="en-US" altLang="zh-CN" dirty="0"/>
+              <a:t>.</a:t>
             </a:r>
             <a:endParaRPr kumimoji="1" lang="zh-CN" altLang="en-US" dirty="0"/>
           </a:p>
@@ -568,6 +580,90 @@
     <p:extLst>
       <p:ext uri="{BB962C8B-B14F-4D97-AF65-F5344CB8AC3E}">
         <p14:creationId xmlns:p14="http://schemas.microsoft.com/office/powerpoint/2010/main" val="2209475092"/>
+      </p:ext>
+    </p:extLst>
+  </p:cSld>
+  <p:clrMapOvr>
+    <a:masterClrMapping/>
+  </p:clrMapOvr>
+</p:notes>
+</file>
+
+<file path=ppt/notesSlides/notesSlide10.xml><?xml version="1.0" encoding="utf-8"?>
+<p:notes xmlns:a="http://schemas.openxmlformats.org/drawingml/2006/main" xmlns:r="http://schemas.openxmlformats.org/officeDocument/2006/relationships" xmlns:p="http://schemas.openxmlformats.org/presentationml/2006/main">
+  <p:cSld>
+    <p:spTree>
+      <p:nvGrpSpPr>
+        <p:cNvPr id="1" name=""/>
+        <p:cNvGrpSpPr/>
+        <p:nvPr/>
+      </p:nvGrpSpPr>
+      <p:grpSpPr>
+        <a:xfrm>
+          <a:off x="0" y="0"/>
+          <a:ext cx="0" cy="0"/>
+          <a:chOff x="0" y="0"/>
+          <a:chExt cx="0" cy="0"/>
+        </a:xfrm>
+      </p:grpSpPr>
+      <p:sp>
+        <p:nvSpPr>
+          <p:cNvPr id="2" name="幻灯片图像占位符 1"/>
+          <p:cNvSpPr>
+            <a:spLocks noGrp="1" noRot="1" noChangeAspect="1"/>
+          </p:cNvSpPr>
+          <p:nvPr>
+            <p:ph type="sldImg"/>
+          </p:nvPr>
+        </p:nvSpPr>
+        <p:spPr/>
+      </p:sp>
+      <p:sp>
+        <p:nvSpPr>
+          <p:cNvPr id="3" name="备注占位符 2"/>
+          <p:cNvSpPr>
+            <a:spLocks noGrp="1"/>
+          </p:cNvSpPr>
+          <p:nvPr>
+            <p:ph type="body" idx="1"/>
+          </p:nvPr>
+        </p:nvSpPr>
+        <p:spPr/>
+        <p:txBody>
+          <a:bodyPr/>
+          <a:lstStyle/>
+          <a:p>
+            <a:endParaRPr kumimoji="1" lang="zh-CN" altLang="en-US" dirty="0"/>
+          </a:p>
+        </p:txBody>
+      </p:sp>
+      <p:sp>
+        <p:nvSpPr>
+          <p:cNvPr id="4" name="灯片编号占位符 3"/>
+          <p:cNvSpPr>
+            <a:spLocks noGrp="1"/>
+          </p:cNvSpPr>
+          <p:nvPr>
+            <p:ph type="sldNum" sz="quarter" idx="5"/>
+          </p:nvPr>
+        </p:nvSpPr>
+        <p:spPr/>
+        <p:txBody>
+          <a:bodyPr/>
+          <a:lstStyle/>
+          <a:p>
+            <a:fld id="{94FCFF32-DEA6-684B-B421-3C1D9F71B041}" type="slidenum">
+              <a:rPr kumimoji="1" lang="zh-CN" altLang="en-US" smtClean="0"/>
+              <a:t>10</a:t>
+            </a:fld>
+            <a:endParaRPr kumimoji="1" lang="zh-CN" altLang="en-US"/>
+          </a:p>
+        </p:txBody>
+      </p:sp>
+    </p:spTree>
+    <p:extLst>
+      <p:ext uri="{BB962C8B-B14F-4D97-AF65-F5344CB8AC3E}">
+        <p14:creationId xmlns:p14="http://schemas.microsoft.com/office/powerpoint/2010/main" val="2274124467"/>
       </p:ext>
     </p:extLst>
   </p:cSld>
@@ -623,7 +719,37 @@
           <a:p>
             <a:r>
               <a:rPr kumimoji="1" lang="en-US" altLang="zh-CN" dirty="0"/>
-              <a:t>First let‘s introduce the problem. For influence maximization, given a social graph G, we want to select k nodes to maximize the influence spread. But how do the nodes influence others. We will focus on the diffusion model called Independent Cascade. Every edge is attached with a probability that the target node can be activated by the source node. I will tell you how the influence propagation goes. At first, we will select a set of nodes to be active, which is called seed set. Then, the nodes in the seed set will activate their neighbors with certain probability. At the next timestamp, the newly activated nodes will continue such a process</a:t>
+              <a:t>First let‘s introduce the problem. For influence maximization, given a social graph G, we want to select  a seed set S of k nodes to maximize the influence spread.</a:t>
+            </a:r>
+          </a:p>
+          <a:p>
+            <a:endParaRPr kumimoji="1" lang="en-US" altLang="zh-CN" dirty="0"/>
+          </a:p>
+          <a:p>
+            <a:r>
+              <a:rPr kumimoji="1" lang="en-US" altLang="zh-CN" dirty="0"/>
+              <a:t>But how do the nodes influence others. We will focus on the diffusion model called Independent Cascade, which has been mentioned in the course. Every edge is attached with a probability that the target node can be activated by the source node.</a:t>
+            </a:r>
+          </a:p>
+          <a:p>
+            <a:endParaRPr kumimoji="1" lang="en-US" altLang="zh-CN" dirty="0"/>
+          </a:p>
+          <a:p>
+            <a:r>
+              <a:rPr kumimoji="1" lang="en-US" altLang="zh-CN" dirty="0"/>
+              <a:t>The influence propagation goes as follows. At first, we will select a set of nodes to be active, which is called seed set.</a:t>
+            </a:r>
+          </a:p>
+          <a:p>
+            <a:r>
+              <a:rPr kumimoji="1" lang="en-US" altLang="zh-CN" dirty="0"/>
+              <a:t>Then, the nodes in the seed set will activate their neighbors with certain probability.</a:t>
+            </a:r>
+          </a:p>
+          <a:p>
+            <a:r>
+              <a:rPr kumimoji="1" lang="en-US" altLang="zh-CN" dirty="0"/>
+              <a:t>At the next timestamp, the newly activated nodes will continue such a process</a:t>
             </a:r>
             <a:r>
               <a:rPr kumimoji="1" lang="zh-CN" altLang="en-US" dirty="0"/>
@@ -631,7 +757,16 @@
             </a:r>
             <a:r>
               <a:rPr kumimoji="1" lang="en-US" altLang="zh-CN" dirty="0"/>
-              <a:t>until no new node is activated. Every active node can attempt to influence others only once. Actually, this is an NP-hard algorithmic problem. But from the course we know that centrality measures can reflect social influence to some extent. So what if we just use centrality ranking to select nodes? Such a kind of idea raises a number of questions. Let’s dive into them.</a:t>
+              <a:t>until no new node is activated. Every active node can attempt to influence others only once.</a:t>
+            </a:r>
+          </a:p>
+          <a:p>
+            <a:endParaRPr kumimoji="1" lang="en-US" altLang="zh-CN" dirty="0"/>
+          </a:p>
+          <a:p>
+            <a:r>
+              <a:rPr kumimoji="1" lang="en-US" altLang="zh-CN" dirty="0"/>
+              <a:t>Actually, this is an NP-hard algorithmic problem.</a:t>
             </a:r>
             <a:endParaRPr kumimoji="1" lang="zh-CN" altLang="en-US" dirty="0"/>
           </a:p>
@@ -719,27 +854,19 @@
           <a:p>
             <a:r>
               <a:rPr kumimoji="1" lang="en-US" altLang="zh-CN" dirty="0"/>
-              <a:t>The first question is how do those centrality measures perform in the IM problem compared to others?</a:t>
+              <a:t>In 2014, </a:t>
             </a:r>
-          </a:p>
-          <a:p>
+            <a:r>
+              <a:rPr kumimoji="1" lang="en-US" altLang="zh-CN" dirty="0" err="1"/>
+              <a:t>Borgs’s</a:t>
+            </a:r>
             <a:r>
               <a:rPr kumimoji="1" lang="en-US" altLang="zh-CN" dirty="0"/>
-              <a:t>If they fail to return a good result, what are the reasons?</a:t>
+              <a:t> group put forward the idea of reverse sampling, with near-linear time complexity. First we introduce reverse reachable set. From a node, we simulate the IC process reversely. That is to say, we propagate the influence against the directed edges. The activated nodes comprise a reverse reachable set, which we will call a RR set.</a:t>
             </a:r>
           </a:p>
           <a:p>
-            <a:r>
-              <a:rPr kumimoji="1" lang="en-US" altLang="zh-CN" dirty="0"/>
-              <a:t>What kinds of network structure features can affect the performance of such methods?</a:t>
-            </a:r>
-          </a:p>
-          <a:p>
-            <a:r>
-              <a:rPr kumimoji="1" lang="en-US" altLang="zh-CN" dirty="0"/>
-              <a:t>Before starting to solve these questions. I’ll quickly go through the algorithms used in this project.</a:t>
-            </a:r>
-            <a:endParaRPr kumimoji="1" lang="zh-CN" altLang="en-US" dirty="0"/>
+            <a:endParaRPr kumimoji="1" lang="en-US" altLang="zh-CN" dirty="0"/>
           </a:p>
         </p:txBody>
       </p:sp>
@@ -808,43 +935,320 @@
         </p:nvSpPr>
         <p:spPr/>
       </p:sp>
-      <p:sp>
-        <p:nvSpPr>
-          <p:cNvPr id="3" name="备注占位符 2"/>
-          <p:cNvSpPr>
-            <a:spLocks noGrp="1"/>
-          </p:cNvSpPr>
-          <p:nvPr>
-            <p:ph type="body" idx="1"/>
-          </p:nvPr>
-        </p:nvSpPr>
-        <p:spPr/>
-        <p:txBody>
-          <a:bodyPr/>
-          <a:lstStyle/>
-          <a:p>
-            <a:r>
-              <a:rPr kumimoji="1" lang="en-US" altLang="zh-CN" dirty="0"/>
-              <a:t>The first one is Monte-Carlo Greedy. We select the node with the highest influence increment in each iteration. But how do we estimate the influence spread? We just simulate the influence propagation process for a large number of times.</a:t>
-            </a:r>
-          </a:p>
-          <a:p>
-            <a:r>
-              <a:rPr kumimoji="1" lang="en-US" altLang="zh-CN" dirty="0"/>
-              <a:t>CELF makes use of the </a:t>
-            </a:r>
-            <a:r>
-              <a:rPr kumimoji="1" lang="en-US" altLang="zh-CN" dirty="0" err="1"/>
-              <a:t>submodularity</a:t>
-            </a:r>
-            <a:r>
-              <a:rPr kumimoji="1" lang="en-US" altLang="zh-CN" dirty="0"/>
-              <a:t> of the influence function to reduce useless computation. Just think it as the MC-greedy + Early Termination.</a:t>
-            </a:r>
-            <a:endParaRPr kumimoji="1" lang="zh-CN" altLang="en-US" dirty="0"/>
-          </a:p>
-        </p:txBody>
-      </p:sp>
+      <mc:AlternateContent xmlns:mc="http://schemas.openxmlformats.org/markup-compatibility/2006">
+        <mc:Choice xmlns:a14="http://schemas.microsoft.com/office/drawing/2010/main" Requires="a14">
+          <p:sp>
+            <p:nvSpPr>
+              <p:cNvPr id="3" name="备注占位符 2"/>
+              <p:cNvSpPr>
+                <a:spLocks noGrp="1"/>
+              </p:cNvSpPr>
+              <p:nvPr>
+                <p:ph type="body" idx="1"/>
+              </p:nvPr>
+            </p:nvSpPr>
+            <p:spPr/>
+            <p:txBody>
+              <a:bodyPr/>
+              <a:lstStyle/>
+              <a:p>
+                <a:r>
+                  <a:rPr kumimoji="1" lang="en-US" altLang="zh-CN" dirty="0"/>
+                  <a:t>The key observation is that </a:t>
+                </a:r>
+                <a:r>
+                  <a:rPr kumimoji="1" lang="en-US" altLang="zh-CN" b="0" dirty="0">
+                    <a:latin typeface="Times New Roman" panose="02020603050405020304" pitchFamily="18" charset="0"/>
+                    <a:cs typeface="Times New Roman" panose="02020603050405020304" pitchFamily="18" charset="0"/>
+                  </a:rPr>
+                  <a:t>The probability that the seed</a:t>
+                </a:r>
+                <a:r>
+                  <a:rPr kumimoji="1" lang="en-US" altLang="zh-CN" b="0" baseline="0" dirty="0">
+                    <a:latin typeface="Times New Roman" panose="02020603050405020304" pitchFamily="18" charset="0"/>
+                    <a:cs typeface="Times New Roman" panose="02020603050405020304" pitchFamily="18" charset="0"/>
+                  </a:rPr>
+                  <a:t> set </a:t>
+                </a:r>
+                <a:r>
+                  <a:rPr kumimoji="1" lang="en-US" altLang="zh-CN" b="0" dirty="0">
+                    <a:latin typeface="Times New Roman" panose="02020603050405020304" pitchFamily="18" charset="0"/>
+                    <a:cs typeface="Times New Roman" panose="02020603050405020304" pitchFamily="18" charset="0"/>
+                  </a:rPr>
+                  <a:t>S</a:t>
+                </a:r>
+                <a:r>
+                  <a:rPr kumimoji="1" lang="en-US" altLang="zh-CN" b="0" baseline="0" dirty="0">
+                    <a:latin typeface="Times New Roman" panose="02020603050405020304" pitchFamily="18" charset="0"/>
+                    <a:cs typeface="Times New Roman" panose="02020603050405020304" pitchFamily="18" charset="0"/>
+                  </a:rPr>
+                  <a:t> </a:t>
+                </a:r>
+                <a:r>
+                  <a:rPr kumimoji="1" lang="en-US" altLang="zh-CN" b="0" dirty="0">
+                    <a:latin typeface="Times New Roman" panose="02020603050405020304" pitchFamily="18" charset="0"/>
+                    <a:cs typeface="Times New Roman" panose="02020603050405020304" pitchFamily="18" charset="0"/>
+                  </a:rPr>
+                  <a:t>intersects with a random RR set</a:t>
+                </a:r>
+                <a:r>
+                  <a:rPr kumimoji="1" lang="en-US" altLang="zh-CN" b="0" baseline="0" dirty="0">
+                    <a:latin typeface="Times New Roman" panose="02020603050405020304" pitchFamily="18" charset="0"/>
+                    <a:cs typeface="Times New Roman" panose="02020603050405020304" pitchFamily="18" charset="0"/>
+                  </a:rPr>
+                  <a:t> is equal to t</a:t>
+                </a:r>
+                <a:r>
+                  <a:rPr kumimoji="1" lang="en-US" altLang="zh-CN" b="0" dirty="0">
+                    <a:latin typeface="Times New Roman" panose="02020603050405020304" pitchFamily="18" charset="0"/>
+                    <a:cs typeface="Times New Roman" panose="02020603050405020304" pitchFamily="18" charset="0"/>
+                  </a:rPr>
+                  <a:t>he probability that a random node can be influenced by </a:t>
+                </a:r>
+                <a14:m>
+                  <m:oMath xmlns:m="http://schemas.openxmlformats.org/officeDocument/2006/math">
+                    <m:r>
+                      <a:rPr kumimoji="1" lang="en-US" altLang="zh-CN" b="0" i="1" smtClean="0">
+                        <a:latin typeface="Cambria Math" panose="02040503050406030204" pitchFamily="18" charset="0"/>
+                      </a:rPr>
+                      <m:t>𝑆</m:t>
+                    </m:r>
+                  </m:oMath>
+                </a14:m>
+                <a:r>
+                  <a:rPr kumimoji="1" lang="en-US" altLang="zh-CN" b="0" dirty="0">
+                    <a:latin typeface="Times New Roman" panose="02020603050405020304" pitchFamily="18" charset="0"/>
+                    <a:cs typeface="Times New Roman" panose="02020603050405020304" pitchFamily="18" charset="0"/>
+                  </a:rPr>
+                  <a:t>.</a:t>
+                </a:r>
+              </a:p>
+              <a:p>
+                <a:pPr marL="0" marR="0" lvl="0" indent="0" algn="l" defTabSz="914400" rtl="0" eaLnBrk="1" fontAlgn="auto" latinLnBrk="0" hangingPunct="1">
+                  <a:lnSpc>
+                    <a:spcPct val="100000"/>
+                  </a:lnSpc>
+                  <a:spcBef>
+                    <a:spcPts val="0"/>
+                  </a:spcBef>
+                  <a:spcAft>
+                    <a:spcPts val="0"/>
+                  </a:spcAft>
+                  <a:buClrTx/>
+                  <a:buSzTx/>
+                  <a:buFontTx/>
+                  <a:buNone/>
+                  <a:tabLst/>
+                  <a:defRPr/>
+                </a:pPr>
+                <a:endParaRPr kumimoji="1" lang="en-US" altLang="zh-CN" dirty="0"/>
+              </a:p>
+              <a:p>
+                <a:pPr marL="0" marR="0" lvl="0" indent="0" algn="l" defTabSz="914400" rtl="0" eaLnBrk="1" fontAlgn="auto" latinLnBrk="0" hangingPunct="1">
+                  <a:lnSpc>
+                    <a:spcPct val="100000"/>
+                  </a:lnSpc>
+                  <a:spcBef>
+                    <a:spcPts val="0"/>
+                  </a:spcBef>
+                  <a:spcAft>
+                    <a:spcPts val="0"/>
+                  </a:spcAft>
+                  <a:buClrTx/>
+                  <a:buSzTx/>
+                  <a:buFontTx/>
+                  <a:buNone/>
+                  <a:tabLst/>
+                  <a:defRPr/>
+                </a:pPr>
+                <a:r>
+                  <a:rPr kumimoji="1" lang="en-US" altLang="zh-CN" dirty="0"/>
+                  <a:t>In other words, the more influential a node is, the more RR sets it will appear in. Then this problem can be formulated as a maximum coverage problem.</a:t>
+                </a:r>
+                <a:endParaRPr kumimoji="1" lang="zh-CN" altLang="en-US" dirty="0"/>
+              </a:p>
+              <a:p>
+                <a:endParaRPr kumimoji="1" lang="en-US" altLang="zh-CN" dirty="0"/>
+              </a:p>
+              <a:p>
+                <a:r>
+                  <a:rPr kumimoji="1" lang="en-US" altLang="zh-CN" dirty="0"/>
+                  <a:t>Here is a key conversion.</a:t>
+                </a:r>
+              </a:p>
+              <a:p>
+                <a:r>
+                  <a:rPr kumimoji="1" lang="en-US" altLang="zh-CN" dirty="0"/>
+                  <a:t>Consider every</a:t>
+                </a:r>
+                <a:r>
+                  <a:rPr kumimoji="1" lang="zh-CN" altLang="en-US" dirty="0"/>
+                  <a:t> </a:t>
+                </a:r>
+                <a:r>
+                  <a:rPr kumimoji="1" lang="en-US" altLang="zh-CN" dirty="0"/>
+                  <a:t>node as a set and every RR set as an element. Finding the node set that intersects with most RR sets is equivalent to finding k sets that covers most elements, which is exactly the k cover problem. </a:t>
+                </a:r>
+                <a:endParaRPr kumimoji="1" lang="zh-CN" altLang="en-US" dirty="0"/>
+              </a:p>
+            </p:txBody>
+          </p:sp>
+        </mc:Choice>
+        <mc:Fallback>
+          <p:sp>
+            <p:nvSpPr>
+              <p:cNvPr id="3" name="备注占位符 2"/>
+              <p:cNvSpPr>
+                <a:spLocks noGrp="1"/>
+              </p:cNvSpPr>
+              <p:nvPr>
+                <p:ph type="body" idx="1"/>
+              </p:nvPr>
+            </p:nvSpPr>
+            <p:spPr/>
+            <p:txBody>
+              <a:bodyPr/>
+              <a:lstStyle/>
+              <a:p>
+                <a:r>
+                  <a:rPr kumimoji="1" lang="en-US" altLang="zh-CN" dirty="0"/>
+                  <a:t>The key observation is that </a:t>
+                </a:r>
+                <a:r>
+                  <a:rPr kumimoji="1" lang="en-US" altLang="zh-CN" b="0" dirty="0">
+                    <a:latin typeface="Times New Roman" panose="02020603050405020304" pitchFamily="18" charset="0"/>
+                    <a:cs typeface="Times New Roman" panose="02020603050405020304" pitchFamily="18" charset="0"/>
+                  </a:rPr>
+                  <a:t>The probability that the seed</a:t>
+                </a:r>
+                <a:r>
+                  <a:rPr kumimoji="1" lang="en-US" altLang="zh-CN" b="0" baseline="0" dirty="0">
+                    <a:latin typeface="Times New Roman" panose="02020603050405020304" pitchFamily="18" charset="0"/>
+                    <a:cs typeface="Times New Roman" panose="02020603050405020304" pitchFamily="18" charset="0"/>
+                  </a:rPr>
+                  <a:t> set </a:t>
+                </a:r>
+                <a:r>
+                  <a:rPr kumimoji="1" lang="en-US" altLang="zh-CN" b="0" dirty="0">
+                    <a:latin typeface="Times New Roman" panose="02020603050405020304" pitchFamily="18" charset="0"/>
+                    <a:cs typeface="Times New Roman" panose="02020603050405020304" pitchFamily="18" charset="0"/>
+                  </a:rPr>
+                  <a:t>S</a:t>
+                </a:r>
+                <a:r>
+                  <a:rPr kumimoji="1" lang="en-US" altLang="zh-CN" b="0" baseline="0" dirty="0">
+                    <a:latin typeface="Times New Roman" panose="02020603050405020304" pitchFamily="18" charset="0"/>
+                    <a:cs typeface="Times New Roman" panose="02020603050405020304" pitchFamily="18" charset="0"/>
+                  </a:rPr>
+                  <a:t> </a:t>
+                </a:r>
+                <a:r>
+                  <a:rPr kumimoji="1" lang="en-US" altLang="zh-CN" b="0" dirty="0">
+                    <a:latin typeface="Times New Roman" panose="02020603050405020304" pitchFamily="18" charset="0"/>
+                    <a:cs typeface="Times New Roman" panose="02020603050405020304" pitchFamily="18" charset="0"/>
+                  </a:rPr>
+                  <a:t>intersects with a random RR set</a:t>
+                </a:r>
+                <a:r>
+                  <a:rPr kumimoji="1" lang="en-US" altLang="zh-CN" b="0" baseline="0" dirty="0">
+                    <a:latin typeface="Times New Roman" panose="02020603050405020304" pitchFamily="18" charset="0"/>
+                    <a:cs typeface="Times New Roman" panose="02020603050405020304" pitchFamily="18" charset="0"/>
+                  </a:rPr>
+                  <a:t> is equal to t</a:t>
+                </a:r>
+                <a:r>
+                  <a:rPr kumimoji="1" lang="en-US" altLang="zh-CN" b="0" dirty="0">
+                    <a:latin typeface="Times New Roman" panose="02020603050405020304" pitchFamily="18" charset="0"/>
+                    <a:cs typeface="Times New Roman" panose="02020603050405020304" pitchFamily="18" charset="0"/>
+                  </a:rPr>
+                  <a:t>he probability that a random node can be influenced by </a:t>
+                </a:r>
+                <a:r>
+                  <a:rPr kumimoji="1" lang="en-US" altLang="zh-CN" b="0" i="0">
+                    <a:latin typeface="Cambria Math" panose="02040503050406030204" pitchFamily="18" charset="0"/>
+                  </a:rPr>
+                  <a:t>𝑆</a:t>
+                </a:r>
+                <a:r>
+                  <a:rPr kumimoji="1" lang="en-US" altLang="zh-CN" b="0" dirty="0">
+                    <a:latin typeface="Times New Roman" panose="02020603050405020304" pitchFamily="18" charset="0"/>
+                    <a:cs typeface="Times New Roman" panose="02020603050405020304" pitchFamily="18" charset="0"/>
+                  </a:rPr>
+                  <a:t>.</a:t>
+                </a:r>
+              </a:p>
+              <a:p>
+                <a:pPr marL="0" marR="0" lvl="0" indent="0" algn="l" defTabSz="914400" rtl="0" eaLnBrk="1" fontAlgn="auto" latinLnBrk="0" hangingPunct="1">
+                  <a:lnSpc>
+                    <a:spcPct val="100000"/>
+                  </a:lnSpc>
+                  <a:spcBef>
+                    <a:spcPts val="0"/>
+                  </a:spcBef>
+                  <a:spcAft>
+                    <a:spcPts val="0"/>
+                  </a:spcAft>
+                  <a:buClrTx/>
+                  <a:buSzTx/>
+                  <a:buFontTx/>
+                  <a:buNone/>
+                  <a:tabLst/>
+                  <a:defRPr/>
+                </a:pPr>
+                <a:endParaRPr kumimoji="1" lang="en-US" altLang="zh-CN" dirty="0"/>
+              </a:p>
+              <a:p>
+                <a:pPr marL="0" marR="0" lvl="0" indent="0" algn="l" defTabSz="914400" rtl="0" eaLnBrk="1" fontAlgn="auto" latinLnBrk="0" hangingPunct="1">
+                  <a:lnSpc>
+                    <a:spcPct val="100000"/>
+                  </a:lnSpc>
+                  <a:spcBef>
+                    <a:spcPts val="0"/>
+                  </a:spcBef>
+                  <a:spcAft>
+                    <a:spcPts val="0"/>
+                  </a:spcAft>
+                  <a:buClrTx/>
+                  <a:buSzTx/>
+                  <a:buFontTx/>
+                  <a:buNone/>
+                  <a:tabLst/>
+                  <a:defRPr/>
+                </a:pPr>
+                <a:r>
+                  <a:rPr kumimoji="1" lang="en-US" altLang="zh-CN" dirty="0"/>
+                  <a:t>In other words, the more influential a node is, the more RR sets it will appear in. Then this problem can be formulated as a maximum coverage problem.</a:t>
+                </a:r>
+                <a:endParaRPr kumimoji="1" lang="zh-CN" altLang="en-US" dirty="0"/>
+              </a:p>
+              <a:p>
+                <a:endParaRPr kumimoji="1" lang="en-US" altLang="zh-CN" dirty="0"/>
+              </a:p>
+              <a:p>
+                <a:r>
+                  <a:rPr kumimoji="1" lang="en-US" altLang="zh-CN" dirty="0"/>
+                  <a:t>Here is a key conversion.</a:t>
+                </a:r>
+              </a:p>
+              <a:p>
+                <a:r>
+                  <a:rPr kumimoji="1" lang="en-US" altLang="zh-CN" dirty="0"/>
+                  <a:t>Consider every</a:t>
+                </a:r>
+                <a:r>
+                  <a:rPr kumimoji="1" lang="zh-CN" altLang="en-US" dirty="0"/>
+                  <a:t> </a:t>
+                </a:r>
+                <a:r>
+                  <a:rPr kumimoji="1" lang="en-US" altLang="zh-CN" dirty="0"/>
+                  <a:t>node as a set and every RR set as an element. Finding the node set that intersects with most RR sets is equivalent to finding k sets that covers most elements, which is exactly the k cover problem. </a:t>
+                </a:r>
+                <a:endParaRPr kumimoji="1" lang="zh-CN" altLang="en-US" dirty="0"/>
+              </a:p>
+            </p:txBody>
+          </p:sp>
+        </mc:Fallback>
+      </mc:AlternateContent>
       <p:sp>
         <p:nvSpPr>
           <p:cNvPr id="4" name="灯片编号占位符 3"/>
@@ -927,23 +1331,50 @@
           <a:p>
             <a:r>
               <a:rPr kumimoji="1" lang="en-US" altLang="zh-CN" dirty="0"/>
-              <a:t>The first one is Monte-Carlo Greedy. We select the node with the highest influence increment in each iteration. But how do we estimate the influence spread? We just simulate the influence propagation process for a large number of times.</a:t>
+              <a:t>A previous work propose that using theta RR sets can give a (1-1/e-\eps_0)</a:t>
             </a:r>
-          </a:p>
-          <a:p>
+            <a:r>
+              <a:rPr kumimoji="1" lang="zh-CN" altLang="en-US" dirty="0"/>
+              <a:t> </a:t>
+            </a:r>
             <a:r>
               <a:rPr kumimoji="1" lang="en-US" altLang="zh-CN" dirty="0"/>
-              <a:t>CELF makes use of the </a:t>
+              <a:t>approximate</a:t>
+            </a:r>
+            <a:r>
+              <a:rPr kumimoji="1" lang="zh-CN" altLang="en-US" dirty="0"/>
+              <a:t> </a:t>
+            </a:r>
+            <a:r>
+              <a:rPr kumimoji="1" lang="en-US" altLang="zh-CN" dirty="0"/>
+              <a:t>solution. Here theta has a complicated formulation, but I </a:t>
             </a:r>
             <a:r>
               <a:rPr kumimoji="1" lang="en-US" altLang="zh-CN" dirty="0" err="1"/>
-              <a:t>submodularity</a:t>
+              <a:t>dont</a:t>
             </a:r>
             <a:r>
               <a:rPr kumimoji="1" lang="en-US" altLang="zh-CN" dirty="0"/>
-              <a:t> of the influence function to reduce useless computation. Just think it as the MC-greedy + Early Termination.</a:t>
+              <a:t> show it here. We just need to know, there is a theta giving an approximation solution.</a:t>
             </a:r>
-            <a:endParaRPr kumimoji="1" lang="zh-CN" altLang="en-US" dirty="0"/>
+          </a:p>
+          <a:p>
+            <a:endParaRPr kumimoji="1" lang="en-US" altLang="zh-CN" dirty="0"/>
+          </a:p>
+          <a:p>
+            <a:r>
+              <a:rPr kumimoji="1" lang="en-US" altLang="zh-CN" dirty="0"/>
+              <a:t>Another work studies k-cover problem and proposed that by setting a proper probability p and randomly throwing the elements with p can give an approximate solution for the k-cover problem.</a:t>
+            </a:r>
+          </a:p>
+          <a:p>
+            <a:endParaRPr kumimoji="1" lang="en-US" altLang="zh-CN" dirty="0"/>
+          </a:p>
+          <a:p>
+            <a:r>
+              <a:rPr kumimoji="1" lang="en-US" altLang="zh-CN" dirty="0"/>
+              <a:t>By utilizing this idea in the context of influence maximization, we can further reduce the number of sampling that we need to give a solution with a certain guarantee. But notice that the probability here contains the optimal solution, which we don’t know beforehand. So we assume at least a certain fraction r of elements will be covered. Then we can use this probability to bound the number of RR sets.</a:t>
+            </a:r>
           </a:p>
         </p:txBody>
       </p:sp>
@@ -1029,21 +1460,16 @@
           <a:p>
             <a:r>
               <a:rPr kumimoji="1" lang="en-US" altLang="zh-CN" dirty="0"/>
-              <a:t>The first one is Monte-Carlo Greedy. We select the node with the highest influence increment in each iteration. But how do we estimate the influence spread? We just simulate the influence propagation process for a large number of times.</a:t>
+              <a:t>Actually the key contribution focuses on the theoretical part.</a:t>
             </a:r>
+          </a:p>
+          <a:p>
+            <a:endParaRPr kumimoji="1" lang="en-US" altLang="zh-CN" dirty="0"/>
           </a:p>
           <a:p>
             <a:r>
               <a:rPr kumimoji="1" lang="en-US" altLang="zh-CN" dirty="0"/>
-              <a:t>CELF makes use of the </a:t>
-            </a:r>
-            <a:r>
-              <a:rPr kumimoji="1" lang="en-US" altLang="zh-CN" dirty="0" err="1"/>
-              <a:t>submodularity</a:t>
-            </a:r>
-            <a:r>
-              <a:rPr kumimoji="1" lang="en-US" altLang="zh-CN" dirty="0"/>
-              <a:t> of the influence function to reduce useless computation. Just think it as the MC-greedy + Early Termination.</a:t>
+              <a:t>Here are some of the core lemmas. I consider this is somehow boring and cannot be covered in this presentation. So I will skip it.</a:t>
             </a:r>
             <a:endParaRPr kumimoji="1" lang="zh-CN" altLang="en-US" dirty="0"/>
           </a:p>
@@ -1130,25 +1556,39 @@
           <a:lstStyle/>
           <a:p>
             <a:r>
-              <a:rPr kumimoji="1" lang="en-US" altLang="zh-CN" dirty="0"/>
-              <a:t>These are the datasets used in this project. The figure on the right hand side illustrates the results. We can see that </a:t>
-            </a:r>
-            <a:r>
               <a:rPr kumimoji="1" lang="en-US" altLang="zh-CN" dirty="0" err="1"/>
-              <a:t>sota</a:t>
+              <a:t>åThen</a:t>
             </a:r>
             <a:r>
               <a:rPr kumimoji="1" lang="en-US" altLang="zh-CN" dirty="0"/>
-              <a:t> is </a:t>
+              <a:t> we go to the experiment result. These are the datasets used in this project. </a:t>
             </a:r>
-            <a:r>
-              <a:rPr kumimoji="1" lang="en-US" altLang="zh-CN" dirty="0" err="1"/>
-              <a:t>sota</a:t>
-            </a:r>
+          </a:p>
+          <a:p>
+            <a:endParaRPr kumimoji="1" lang="en-US" altLang="zh-CN" dirty="0"/>
+          </a:p>
+          <a:p>
             <a:r>
               <a:rPr kumimoji="1" lang="en-US" altLang="zh-CN" dirty="0"/>
-              <a:t>. RIS is both effective and efficient. However, centrality ranking-based methods are not very stable, sometimes they perform well, like Hens and Sparrows. But they fail most of the time.</a:t>
+              <a:t>We set r equal to 1 for small datasets and 0.4 for relatively larger datasets.</a:t>
             </a:r>
+          </a:p>
+          <a:p>
+            <a:endParaRPr kumimoji="1" lang="en-US" altLang="zh-CN" dirty="0"/>
+          </a:p>
+          <a:p>
+            <a:r>
+              <a:rPr kumimoji="1" lang="en-US" altLang="zh-CN" dirty="0"/>
+              <a:t>For the first four smaller datasets we implement three methods.</a:t>
+            </a:r>
+          </a:p>
+          <a:p>
+            <a:r>
+              <a:rPr kumimoji="1" lang="en-US" altLang="zh-CN" dirty="0"/>
+              <a:t>The figure on the right hand side illustrates the results. We can see that our methods can return relatively good results with slight improvement on the time complexity.</a:t>
+            </a:r>
+          </a:p>
+          <a:p>
             <a:endParaRPr kumimoji="1" lang="zh-CN" altLang="en-US" dirty="0"/>
           </a:p>
         </p:txBody>
@@ -1235,7 +1675,7 @@
           <a:p>
             <a:r>
               <a:rPr kumimoji="1" lang="en-US" altLang="zh-CN" dirty="0"/>
-              <a:t>These are the datasets used in this project. The figure on the right hand side illustrates the results. We can see that </a:t>
+              <a:t>For relatively larger datasets, we only implement the </a:t>
             </a:r>
             <a:r>
               <a:rPr kumimoji="1" lang="en-US" altLang="zh-CN" dirty="0" err="1"/>
@@ -1243,15 +1683,15 @@
             </a:r>
             <a:r>
               <a:rPr kumimoji="1" lang="en-US" altLang="zh-CN" dirty="0"/>
-              <a:t> is </a:t>
+              <a:t> method and our method. We can see that the improvement on the time complexity is more</a:t>
             </a:r>
             <a:r>
-              <a:rPr kumimoji="1" lang="en-US" altLang="zh-CN" dirty="0" err="1"/>
-              <a:t>sota</a:t>
+              <a:rPr kumimoji="1" lang="zh-CN" altLang="en-US" dirty="0"/>
+              <a:t> </a:t>
             </a:r>
             <a:r>
               <a:rPr kumimoji="1" lang="en-US" altLang="zh-CN" dirty="0"/>
-              <a:t>. RIS is both effective and efficient. However, centrality ranking-based methods are not very stable, sometimes they perform well, like Hens and Sparrows. But they fail most of the time.</a:t>
+              <a:t>obvious and still returns good results.</a:t>
             </a:r>
             <a:endParaRPr kumimoji="1" lang="zh-CN" altLang="en-US" dirty="0"/>
           </a:p>
@@ -1284,6 +1724,93 @@
     <p:extLst>
       <p:ext uri="{BB962C8B-B14F-4D97-AF65-F5344CB8AC3E}">
         <p14:creationId xmlns:p14="http://schemas.microsoft.com/office/powerpoint/2010/main" val="2230297356"/>
+      </p:ext>
+    </p:extLst>
+  </p:cSld>
+  <p:clrMapOvr>
+    <a:masterClrMapping/>
+  </p:clrMapOvr>
+</p:notes>
+</file>
+
+<file path=ppt/notesSlides/notesSlide9.xml><?xml version="1.0" encoding="utf-8"?>
+<p:notes xmlns:a="http://schemas.openxmlformats.org/drawingml/2006/main" xmlns:r="http://schemas.openxmlformats.org/officeDocument/2006/relationships" xmlns:p="http://schemas.openxmlformats.org/presentationml/2006/main">
+  <p:cSld>
+    <p:spTree>
+      <p:nvGrpSpPr>
+        <p:cNvPr id="1" name=""/>
+        <p:cNvGrpSpPr/>
+        <p:nvPr/>
+      </p:nvGrpSpPr>
+      <p:grpSpPr>
+        <a:xfrm>
+          <a:off x="0" y="0"/>
+          <a:ext cx="0" cy="0"/>
+          <a:chOff x="0" y="0"/>
+          <a:chExt cx="0" cy="0"/>
+        </a:xfrm>
+      </p:grpSpPr>
+      <p:sp>
+        <p:nvSpPr>
+          <p:cNvPr id="2" name="幻灯片图像占位符 1"/>
+          <p:cNvSpPr>
+            <a:spLocks noGrp="1" noRot="1" noChangeAspect="1"/>
+          </p:cNvSpPr>
+          <p:nvPr>
+            <p:ph type="sldImg"/>
+          </p:nvPr>
+        </p:nvSpPr>
+        <p:spPr/>
+      </p:sp>
+      <p:sp>
+        <p:nvSpPr>
+          <p:cNvPr id="3" name="备注占位符 2"/>
+          <p:cNvSpPr>
+            <a:spLocks noGrp="1"/>
+          </p:cNvSpPr>
+          <p:nvPr>
+            <p:ph type="body" idx="1"/>
+          </p:nvPr>
+        </p:nvSpPr>
+        <p:spPr/>
+        <p:txBody>
+          <a:bodyPr/>
+          <a:lstStyle/>
+          <a:p>
+            <a:r>
+              <a:rPr kumimoji="1" lang="en-US" altLang="zh-CN" dirty="0"/>
+              <a:t>Finally I want to clarify something.</a:t>
+            </a:r>
+          </a:p>
+        </p:txBody>
+      </p:sp>
+      <p:sp>
+        <p:nvSpPr>
+          <p:cNvPr id="4" name="灯片编号占位符 3"/>
+          <p:cNvSpPr>
+            <a:spLocks noGrp="1"/>
+          </p:cNvSpPr>
+          <p:nvPr>
+            <p:ph type="sldNum" sz="quarter" idx="5"/>
+          </p:nvPr>
+        </p:nvSpPr>
+        <p:spPr/>
+        <p:txBody>
+          <a:bodyPr/>
+          <a:lstStyle/>
+          <a:p>
+            <a:fld id="{94FCFF32-DEA6-684B-B421-3C1D9F71B041}" type="slidenum">
+              <a:rPr kumimoji="1" lang="zh-CN" altLang="en-US" smtClean="0"/>
+              <a:t>9</a:t>
+            </a:fld>
+            <a:endParaRPr kumimoji="1" lang="zh-CN" altLang="en-US"/>
+          </a:p>
+        </p:txBody>
+      </p:sp>
+    </p:spTree>
+    <p:extLst>
+      <p:ext uri="{BB962C8B-B14F-4D97-AF65-F5344CB8AC3E}">
+        <p14:creationId xmlns:p14="http://schemas.microsoft.com/office/powerpoint/2010/main" val="4286761966"/>
       </p:ext>
     </p:extLst>
   </p:cSld>
@@ -4661,7 +5188,7 @@
                 <a:latin typeface="Times New Roman" panose="02020603050405020304" pitchFamily="18" charset="0"/>
                 <a:cs typeface="Times New Roman" panose="02020603050405020304" pitchFamily="18" charset="0"/>
               </a:rPr>
-              <a:t>2022.12.15</a:t>
+              <a:t>2022.12.16</a:t>
             </a:r>
           </a:p>
           <a:p>
@@ -4690,86 +5217,6 @@
               </a:rPr>
               <a:t>PhD in Data Science and Analytics</a:t>
             </a:r>
-          </a:p>
-        </p:txBody>
-      </p:sp>
-      <p:sp>
-        <p:nvSpPr>
-          <p:cNvPr id="2" name="文本框 1">
-            <a:extLst>
-              <a:ext uri="{FF2B5EF4-FFF2-40B4-BE49-F238E27FC236}">
-                <a16:creationId xmlns:a16="http://schemas.microsoft.com/office/drawing/2014/main" id="{76C30559-9F6F-294F-93B0-226CEB1AD385}"/>
-              </a:ext>
-            </a:extLst>
-          </p:cNvPr>
-          <p:cNvSpPr txBox="1"/>
-          <p:nvPr/>
-        </p:nvSpPr>
-        <p:spPr>
-          <a:xfrm>
-            <a:off x="57431" y="6450092"/>
-            <a:ext cx="7579767" cy="307777"/>
-          </a:xfrm>
-          <a:prstGeom prst="rect">
-            <a:avLst/>
-          </a:prstGeom>
-          <a:noFill/>
-        </p:spPr>
-        <p:txBody>
-          <a:bodyPr wrap="none" rtlCol="0">
-            <a:spAutoFit/>
-          </a:bodyPr>
-          <a:lstStyle/>
-          <a:p>
-            <a:r>
-              <a:rPr kumimoji="1" lang="en-US" altLang="zh-CN" sz="1400" dirty="0">
-                <a:latin typeface="Calibri" panose="020F0502020204030204" pitchFamily="34" charset="0"/>
-                <a:cs typeface="Calibri" panose="020F0502020204030204" pitchFamily="34" charset="0"/>
-              </a:rPr>
-              <a:t>Code and report are available in the </a:t>
-            </a:r>
-            <a:r>
-              <a:rPr kumimoji="1" lang="en-US" altLang="zh-CN" sz="1400" dirty="0" err="1">
-                <a:latin typeface="Calibri" panose="020F0502020204030204" pitchFamily="34" charset="0"/>
-                <a:cs typeface="Calibri" panose="020F0502020204030204" pitchFamily="34" charset="0"/>
-              </a:rPr>
-              <a:t>github</a:t>
-            </a:r>
-            <a:r>
-              <a:rPr kumimoji="1" lang="en-US" altLang="zh-CN" sz="1400" dirty="0">
-                <a:latin typeface="Calibri" panose="020F0502020204030204" pitchFamily="34" charset="0"/>
-                <a:cs typeface="Calibri" panose="020F0502020204030204" pitchFamily="34" charset="0"/>
-              </a:rPr>
-              <a:t> repository: </a:t>
-            </a:r>
-            <a:r>
-              <a:rPr kumimoji="1" lang="en-US" altLang="zh-CN" sz="1400" dirty="0">
-                <a:latin typeface="Calibri" panose="020F0502020204030204" pitchFamily="34" charset="0"/>
-                <a:cs typeface="Calibri" panose="020F0502020204030204" pitchFamily="34" charset="0"/>
-                <a:hlinkClick r:id="rId5"/>
-              </a:rPr>
-              <a:t>https://</a:t>
-            </a:r>
-            <a:r>
-              <a:rPr kumimoji="1" lang="en-US" altLang="zh-CN" sz="1400" dirty="0" err="1">
-                <a:latin typeface="Calibri" panose="020F0502020204030204" pitchFamily="34" charset="0"/>
-                <a:cs typeface="Calibri" panose="020F0502020204030204" pitchFamily="34" charset="0"/>
-                <a:hlinkClick r:id="rId5"/>
-              </a:rPr>
-              <a:t>github.com</a:t>
-            </a:r>
-            <a:r>
-              <a:rPr kumimoji="1" lang="en-US" altLang="zh-CN" sz="1400" dirty="0">
-                <a:latin typeface="Calibri" panose="020F0502020204030204" pitchFamily="34" charset="0"/>
-                <a:cs typeface="Calibri" panose="020F0502020204030204" pitchFamily="34" charset="0"/>
-                <a:hlinkClick r:id="rId5"/>
-              </a:rPr>
-              <a:t>/chenxlong3/iota5001_proj</a:t>
-            </a:r>
-            <a:endParaRPr kumimoji="1" lang="zh-CN" altLang="en-US" sz="1400" dirty="0">
-              <a:latin typeface="Calibri" panose="020F0502020204030204" pitchFamily="34" charset="0"/>
-              <a:cs typeface="Calibri" panose="020F0502020204030204" pitchFamily="34" charset="0"/>
-            </a:endParaRPr>
           </a:p>
         </p:txBody>
       </p:sp>
@@ -4787,6 +5234,562 @@
 </file>
 
 <file path=ppt/slides/slide10.xml><?xml version="1.0" encoding="utf-8"?>
+<p:sld xmlns:a="http://schemas.openxmlformats.org/drawingml/2006/main" xmlns:r="http://schemas.openxmlformats.org/officeDocument/2006/relationships" xmlns:p="http://schemas.openxmlformats.org/presentationml/2006/main">
+  <p:cSld>
+    <p:spTree>
+      <p:nvGrpSpPr>
+        <p:cNvPr id="1" name=""/>
+        <p:cNvGrpSpPr/>
+        <p:nvPr/>
+      </p:nvGrpSpPr>
+      <p:grpSpPr>
+        <a:xfrm>
+          <a:off x="0" y="0"/>
+          <a:ext cx="0" cy="0"/>
+          <a:chOff x="0" y="0"/>
+          <a:chExt cx="0" cy="0"/>
+        </a:xfrm>
+      </p:grpSpPr>
+      <p:cxnSp>
+        <p:nvCxnSpPr>
+          <p:cNvPr id="6" name="直线连接符 5">
+            <a:extLst>
+              <a:ext uri="{FF2B5EF4-FFF2-40B4-BE49-F238E27FC236}">
+                <a16:creationId xmlns:a16="http://schemas.microsoft.com/office/drawing/2014/main" id="{483CAEEF-8F6E-2D41-A3C1-1D66F241366E}"/>
+              </a:ext>
+            </a:extLst>
+          </p:cNvPr>
+          <p:cNvCxnSpPr>
+            <a:cxnSpLocks/>
+          </p:cNvCxnSpPr>
+          <p:nvPr/>
+        </p:nvCxnSpPr>
+        <p:spPr>
+          <a:xfrm>
+            <a:off x="447983" y="958774"/>
+            <a:ext cx="11296034" cy="0"/>
+          </a:xfrm>
+          <a:prstGeom prst="line">
+            <a:avLst/>
+          </a:prstGeom>
+          <a:ln w="19050"/>
+          <a:effectLst>
+            <a:outerShdw blurRad="50800" dist="38100" dir="2700000" algn="tl" rotWithShape="0">
+              <a:prstClr val="black">
+                <a:alpha val="40000"/>
+              </a:prstClr>
+            </a:outerShdw>
+          </a:effectLst>
+        </p:spPr>
+        <p:style>
+          <a:lnRef idx="1">
+            <a:schemeClr val="accent1"/>
+          </a:lnRef>
+          <a:fillRef idx="0">
+            <a:schemeClr val="accent1"/>
+          </a:fillRef>
+          <a:effectRef idx="0">
+            <a:schemeClr val="accent1"/>
+          </a:effectRef>
+          <a:fontRef idx="minor">
+            <a:schemeClr val="tx1"/>
+          </a:fontRef>
+        </p:style>
+      </p:cxnSp>
+      <p:pic>
+        <p:nvPicPr>
+          <p:cNvPr id="8" name="图形 7">
+            <a:extLst>
+              <a:ext uri="{FF2B5EF4-FFF2-40B4-BE49-F238E27FC236}">
+                <a16:creationId xmlns:a16="http://schemas.microsoft.com/office/drawing/2014/main" id="{72B3695D-5A65-6149-AFFC-8626639FD594}"/>
+              </a:ext>
+            </a:extLst>
+          </p:cNvPr>
+          <p:cNvPicPr>
+            <a:picLocks noChangeAspect="1"/>
+          </p:cNvPicPr>
+          <p:nvPr/>
+        </p:nvPicPr>
+        <p:blipFill>
+          <a:blip r:embed="rId3">
+            <a:extLst>
+              <a:ext uri="{96DAC541-7B7A-43D3-8B79-37D633B846F1}">
+                <asvg:svgBlip xmlns:asvg="http://schemas.microsoft.com/office/drawing/2016/SVG/main" r:embed="rId4"/>
+              </a:ext>
+            </a:extLst>
+          </a:blip>
+          <a:stretch>
+            <a:fillRect/>
+          </a:stretch>
+        </p:blipFill>
+        <p:spPr>
+          <a:xfrm>
+            <a:off x="9048718" y="182350"/>
+            <a:ext cx="2695299" cy="664363"/>
+          </a:xfrm>
+          <a:prstGeom prst="rect">
+            <a:avLst/>
+          </a:prstGeom>
+        </p:spPr>
+      </p:pic>
+      <p:sp>
+        <p:nvSpPr>
+          <p:cNvPr id="9" name="文本框 8">
+            <a:extLst>
+              <a:ext uri="{FF2B5EF4-FFF2-40B4-BE49-F238E27FC236}">
+                <a16:creationId xmlns:a16="http://schemas.microsoft.com/office/drawing/2014/main" id="{1FD4DA14-8F96-F64C-817C-6EA0EA671B16}"/>
+              </a:ext>
+            </a:extLst>
+          </p:cNvPr>
+          <p:cNvSpPr txBox="1"/>
+          <p:nvPr/>
+        </p:nvSpPr>
+        <p:spPr>
+          <a:xfrm>
+            <a:off x="451520" y="138827"/>
+            <a:ext cx="2263761" cy="707886"/>
+          </a:xfrm>
+          <a:prstGeom prst="rect">
+            <a:avLst/>
+          </a:prstGeom>
+          <a:noFill/>
+        </p:spPr>
+        <p:txBody>
+          <a:bodyPr wrap="none" rtlCol="0">
+            <a:spAutoFit/>
+          </a:bodyPr>
+          <a:lstStyle/>
+          <a:p>
+            <a:r>
+              <a:rPr lang="en-US" altLang="zh-CN" sz="4000" dirty="0">
+                <a:latin typeface="Times New Roman" panose="02020603050405020304" pitchFamily="18" charset="0"/>
+                <a:cs typeface="Times New Roman" panose="02020603050405020304" pitchFamily="18" charset="0"/>
+              </a:rPr>
+              <a:t>Reference</a:t>
+            </a:r>
+            <a:endParaRPr lang="zh-CN" altLang="en-US" sz="4000" dirty="0">
+              <a:latin typeface="Times New Roman" panose="02020603050405020304" pitchFamily="18" charset="0"/>
+              <a:cs typeface="Times New Roman" panose="02020603050405020304" pitchFamily="18" charset="0"/>
+            </a:endParaRPr>
+          </a:p>
+        </p:txBody>
+      </p:sp>
+      <p:sp>
+        <p:nvSpPr>
+          <p:cNvPr id="14" name="文本框 13">
+            <a:extLst>
+              <a:ext uri="{FF2B5EF4-FFF2-40B4-BE49-F238E27FC236}">
+                <a16:creationId xmlns:a16="http://schemas.microsoft.com/office/drawing/2014/main" id="{9B3FB5ED-BD34-FE46-AB46-2AB0E23DB2AB}"/>
+              </a:ext>
+            </a:extLst>
+          </p:cNvPr>
+          <p:cNvSpPr txBox="1"/>
+          <p:nvPr/>
+        </p:nvSpPr>
+        <p:spPr>
+          <a:xfrm>
+            <a:off x="447983" y="1868862"/>
+            <a:ext cx="184731" cy="830997"/>
+          </a:xfrm>
+          <a:prstGeom prst="rect">
+            <a:avLst/>
+          </a:prstGeom>
+          <a:noFill/>
+        </p:spPr>
+        <p:txBody>
+          <a:bodyPr wrap="none" rtlCol="0">
+            <a:spAutoFit/>
+          </a:bodyPr>
+          <a:lstStyle/>
+          <a:p>
+            <a:endParaRPr kumimoji="1" lang="en-US" altLang="zh-CN" sz="2400" dirty="0">
+              <a:latin typeface="Times New Roman" panose="02020603050405020304" pitchFamily="18" charset="0"/>
+              <a:cs typeface="Times New Roman" panose="02020603050405020304" pitchFamily="18" charset="0"/>
+            </a:endParaRPr>
+          </a:p>
+          <a:p>
+            <a:endParaRPr kumimoji="1" lang="zh-CN" altLang="en-US" sz="2400" dirty="0">
+              <a:latin typeface="Times New Roman" panose="02020603050405020304" pitchFamily="18" charset="0"/>
+              <a:cs typeface="Times New Roman" panose="02020603050405020304" pitchFamily="18" charset="0"/>
+            </a:endParaRPr>
+          </a:p>
+        </p:txBody>
+      </p:sp>
+      <p:sp>
+        <p:nvSpPr>
+          <p:cNvPr id="56" name="文本框 55">
+            <a:extLst>
+              <a:ext uri="{FF2B5EF4-FFF2-40B4-BE49-F238E27FC236}">
+                <a16:creationId xmlns:a16="http://schemas.microsoft.com/office/drawing/2014/main" id="{6DA480C6-173B-BF4B-BD2E-3265C6896120}"/>
+              </a:ext>
+            </a:extLst>
+          </p:cNvPr>
+          <p:cNvSpPr txBox="1"/>
+          <p:nvPr/>
+        </p:nvSpPr>
+        <p:spPr>
+          <a:xfrm>
+            <a:off x="515389" y="1163782"/>
+            <a:ext cx="11296034" cy="1569660"/>
+          </a:xfrm>
+          <a:prstGeom prst="rect">
+            <a:avLst/>
+          </a:prstGeom>
+          <a:noFill/>
+        </p:spPr>
+        <p:txBody>
+          <a:bodyPr wrap="square" rtlCol="0">
+            <a:spAutoFit/>
+          </a:bodyPr>
+          <a:lstStyle/>
+          <a:p>
+            <a:r>
+              <a:rPr kumimoji="1" lang="en-US" altLang="zh-CN" sz="1200" dirty="0">
+                <a:solidFill>
+                  <a:srgbClr val="222222"/>
+                </a:solidFill>
+                <a:latin typeface="Arial" panose="020B0604020202020204" pitchFamily="34" charset="0"/>
+                <a:cs typeface="Times New Roman" panose="02020603050405020304" pitchFamily="18" charset="0"/>
+              </a:rPr>
+              <a:t>[1] </a:t>
+            </a:r>
+            <a:r>
+              <a:rPr lang="en-US" altLang="zh-CN" sz="1200" b="0" i="0" u="none" strike="noStrike" dirty="0">
+                <a:solidFill>
+                  <a:srgbClr val="222222"/>
+                </a:solidFill>
+                <a:effectLst/>
+                <a:latin typeface="Arial" panose="020B0604020202020204" pitchFamily="34" charset="0"/>
+              </a:rPr>
+              <a:t>Kempe, D., Kleinberg, J., &amp; </a:t>
+            </a:r>
+            <a:r>
+              <a:rPr lang="en-US" altLang="zh-CN" sz="1200" b="0" i="0" u="none" strike="noStrike" dirty="0" err="1">
+                <a:solidFill>
+                  <a:srgbClr val="222222"/>
+                </a:solidFill>
+                <a:effectLst/>
+                <a:latin typeface="Arial" panose="020B0604020202020204" pitchFamily="34" charset="0"/>
+              </a:rPr>
+              <a:t>Tardos</a:t>
+            </a:r>
+            <a:r>
+              <a:rPr lang="en-US" altLang="zh-CN" sz="1200" b="0" i="0" u="none" strike="noStrike" dirty="0">
+                <a:solidFill>
+                  <a:srgbClr val="222222"/>
+                </a:solidFill>
+                <a:effectLst/>
+                <a:latin typeface="Arial" panose="020B0604020202020204" pitchFamily="34" charset="0"/>
+              </a:rPr>
+              <a:t>, </a:t>
+            </a:r>
+            <a:r>
+              <a:rPr lang="en-US" altLang="zh-CN" sz="1200" b="0" i="0" u="none" strike="noStrike" dirty="0" err="1">
+                <a:solidFill>
+                  <a:srgbClr val="222222"/>
+                </a:solidFill>
+                <a:effectLst/>
+                <a:latin typeface="Arial" panose="020B0604020202020204" pitchFamily="34" charset="0"/>
+              </a:rPr>
+              <a:t>É</a:t>
+            </a:r>
+            <a:r>
+              <a:rPr lang="en-US" altLang="zh-CN" sz="1200" b="0" i="0" u="none" strike="noStrike" dirty="0">
+                <a:solidFill>
+                  <a:srgbClr val="222222"/>
+                </a:solidFill>
+                <a:effectLst/>
+                <a:latin typeface="Arial" panose="020B0604020202020204" pitchFamily="34" charset="0"/>
+              </a:rPr>
+              <a:t>. (2003, August). Maximizing the spread of influence through a social network. In </a:t>
+            </a:r>
+            <a:r>
+              <a:rPr lang="en-US" altLang="zh-CN" sz="1200" b="0" i="1" u="none" strike="noStrike" dirty="0">
+                <a:solidFill>
+                  <a:srgbClr val="222222"/>
+                </a:solidFill>
+                <a:effectLst/>
+                <a:latin typeface="Arial" panose="020B0604020202020204" pitchFamily="34" charset="0"/>
+              </a:rPr>
+              <a:t>Proceedings of the ninth ACM SIGKDD international conference on Knowledge discovery and data mining</a:t>
+            </a:r>
+            <a:r>
+              <a:rPr lang="en-US" altLang="zh-CN" sz="1200" b="0" i="0" u="none" strike="noStrike" dirty="0">
+                <a:solidFill>
+                  <a:srgbClr val="222222"/>
+                </a:solidFill>
+                <a:effectLst/>
+                <a:latin typeface="Arial" panose="020B0604020202020204" pitchFamily="34" charset="0"/>
+              </a:rPr>
+              <a:t> (pp. 137-146).</a:t>
+            </a:r>
+          </a:p>
+          <a:p>
+            <a:r>
+              <a:rPr lang="en-US" altLang="zh-CN" sz="1200" b="0" i="0" u="none" strike="noStrike" dirty="0">
+                <a:solidFill>
+                  <a:srgbClr val="222222"/>
+                </a:solidFill>
+                <a:effectLst/>
+                <a:latin typeface="Arial" panose="020B0604020202020204" pitchFamily="34" charset="0"/>
+              </a:rPr>
+              <a:t>[</a:t>
+            </a:r>
+            <a:r>
+              <a:rPr lang="en-US" altLang="zh-CN" sz="1200" dirty="0">
+                <a:solidFill>
+                  <a:srgbClr val="222222"/>
+                </a:solidFill>
+                <a:latin typeface="Arial" panose="020B0604020202020204" pitchFamily="34" charset="0"/>
+              </a:rPr>
+              <a:t>2</a:t>
+            </a:r>
+            <a:r>
+              <a:rPr lang="en-US" altLang="zh-CN" sz="1200" b="0" i="0" u="none" strike="noStrike" dirty="0">
+                <a:solidFill>
+                  <a:srgbClr val="222222"/>
+                </a:solidFill>
+                <a:effectLst/>
+                <a:latin typeface="Arial" panose="020B0604020202020204" pitchFamily="34" charset="0"/>
+              </a:rPr>
+              <a:t>] Borgs, C., </a:t>
+            </a:r>
+            <a:r>
+              <a:rPr lang="en-US" altLang="zh-CN" sz="1200" b="0" i="0" u="none" strike="noStrike" dirty="0" err="1">
+                <a:solidFill>
+                  <a:srgbClr val="222222"/>
+                </a:solidFill>
+                <a:effectLst/>
+                <a:latin typeface="Arial" panose="020B0604020202020204" pitchFamily="34" charset="0"/>
+              </a:rPr>
+              <a:t>Brautbar</a:t>
+            </a:r>
+            <a:r>
+              <a:rPr lang="en-US" altLang="zh-CN" sz="1200" b="0" i="0" u="none" strike="noStrike" dirty="0">
+                <a:solidFill>
+                  <a:srgbClr val="222222"/>
+                </a:solidFill>
+                <a:effectLst/>
+                <a:latin typeface="Arial" panose="020B0604020202020204" pitchFamily="34" charset="0"/>
+              </a:rPr>
+              <a:t>, M., </a:t>
+            </a:r>
+            <a:r>
+              <a:rPr lang="en-US" altLang="zh-CN" sz="1200" b="0" i="0" u="none" strike="noStrike" dirty="0" err="1">
+                <a:solidFill>
+                  <a:srgbClr val="222222"/>
+                </a:solidFill>
+                <a:effectLst/>
+                <a:latin typeface="Arial" panose="020B0604020202020204" pitchFamily="34" charset="0"/>
+              </a:rPr>
+              <a:t>Chayes</a:t>
+            </a:r>
+            <a:r>
+              <a:rPr lang="en-US" altLang="zh-CN" sz="1200" b="0" i="0" u="none" strike="noStrike" dirty="0">
+                <a:solidFill>
+                  <a:srgbClr val="222222"/>
+                </a:solidFill>
+                <a:effectLst/>
+                <a:latin typeface="Arial" panose="020B0604020202020204" pitchFamily="34" charset="0"/>
+              </a:rPr>
+              <a:t>, J., &amp; </a:t>
+            </a:r>
+            <a:r>
+              <a:rPr lang="en-US" altLang="zh-CN" sz="1200" b="0" i="0" u="none" strike="noStrike" dirty="0" err="1">
+                <a:solidFill>
+                  <a:srgbClr val="222222"/>
+                </a:solidFill>
+                <a:effectLst/>
+                <a:latin typeface="Arial" panose="020B0604020202020204" pitchFamily="34" charset="0"/>
+              </a:rPr>
+              <a:t>Lucier</a:t>
+            </a:r>
+            <a:r>
+              <a:rPr lang="en-US" altLang="zh-CN" sz="1200" b="0" i="0" u="none" strike="noStrike" dirty="0">
+                <a:solidFill>
+                  <a:srgbClr val="222222"/>
+                </a:solidFill>
+                <a:effectLst/>
+                <a:latin typeface="Arial" panose="020B0604020202020204" pitchFamily="34" charset="0"/>
+              </a:rPr>
+              <a:t>, B. (2014, January). Maximizing social influence in nearly optimal time. In </a:t>
+            </a:r>
+            <a:r>
+              <a:rPr lang="en-US" altLang="zh-CN" sz="1200" b="0" i="1" u="none" strike="noStrike" dirty="0">
+                <a:solidFill>
+                  <a:srgbClr val="222222"/>
+                </a:solidFill>
+                <a:effectLst/>
+                <a:latin typeface="Arial" panose="020B0604020202020204" pitchFamily="34" charset="0"/>
+              </a:rPr>
+              <a:t>Proceedings of the twenty-fifth annual ACM-SIAM symposium on Discrete algorithms</a:t>
+            </a:r>
+            <a:r>
+              <a:rPr lang="en-US" altLang="zh-CN" sz="1200" b="0" i="0" u="none" strike="noStrike" dirty="0">
+                <a:solidFill>
+                  <a:srgbClr val="222222"/>
+                </a:solidFill>
+                <a:effectLst/>
+                <a:latin typeface="Arial" panose="020B0604020202020204" pitchFamily="34" charset="0"/>
+              </a:rPr>
+              <a:t> (pp. 946-957). Society for Industrial and Applied Mathematics.</a:t>
+            </a:r>
+          </a:p>
+          <a:p>
+            <a:r>
+              <a:rPr lang="en-US" altLang="zh-CN" sz="1200" b="0" i="0" u="none" strike="noStrike" dirty="0">
+                <a:solidFill>
+                  <a:srgbClr val="222222"/>
+                </a:solidFill>
+                <a:effectLst/>
+                <a:latin typeface="Arial" panose="020B0604020202020204" pitchFamily="34" charset="0"/>
+              </a:rPr>
+              <a:t>[3] Tang, Y., Xiao, X., &amp; Shi, Y. (2014, June). Influence maximization: Near-optimal time complexity meets practical efficiency. In </a:t>
+            </a:r>
+            <a:r>
+              <a:rPr lang="en-US" altLang="zh-CN" sz="1200" b="0" i="1" u="none" strike="noStrike" dirty="0">
+                <a:solidFill>
+                  <a:srgbClr val="222222"/>
+                </a:solidFill>
+                <a:effectLst/>
+                <a:latin typeface="Arial" panose="020B0604020202020204" pitchFamily="34" charset="0"/>
+              </a:rPr>
+              <a:t>Proceedings of the 2014 ACM SIGMOD international conference on Management of data</a:t>
+            </a:r>
+            <a:r>
+              <a:rPr lang="en-US" altLang="zh-CN" sz="1200" b="0" i="0" u="none" strike="noStrike" dirty="0">
+                <a:solidFill>
+                  <a:srgbClr val="222222"/>
+                </a:solidFill>
+                <a:effectLst/>
+                <a:latin typeface="Arial" panose="020B0604020202020204" pitchFamily="34" charset="0"/>
+              </a:rPr>
+              <a:t> (pp. 75-86).</a:t>
+            </a:r>
+          </a:p>
+          <a:p>
+            <a:r>
+              <a:rPr lang="en-US" altLang="zh-CN" sz="1200" b="0" i="0" u="none" strike="noStrike" dirty="0">
+                <a:solidFill>
+                  <a:srgbClr val="222222"/>
+                </a:solidFill>
+                <a:effectLst/>
+                <a:latin typeface="Arial" panose="020B0604020202020204" pitchFamily="34" charset="0"/>
+              </a:rPr>
+              <a:t>[4] Tang, Y., Shi, Y., &amp; Xiao, X. (2015, May). Influence maximization in near-linear time: A martingale approach. In </a:t>
+            </a:r>
+            <a:r>
+              <a:rPr lang="en-US" altLang="zh-CN" sz="1200" b="0" i="1" u="none" strike="noStrike" dirty="0">
+                <a:solidFill>
+                  <a:srgbClr val="222222"/>
+                </a:solidFill>
+                <a:effectLst/>
+                <a:latin typeface="Arial" panose="020B0604020202020204" pitchFamily="34" charset="0"/>
+              </a:rPr>
+              <a:t>Proceedings of the 2015 ACM SIGMOD international conference on management of data</a:t>
+            </a:r>
+            <a:r>
+              <a:rPr lang="en-US" altLang="zh-CN" sz="1200" b="0" i="0" u="none" strike="noStrike" dirty="0">
+                <a:solidFill>
+                  <a:srgbClr val="222222"/>
+                </a:solidFill>
+                <a:effectLst/>
+                <a:latin typeface="Arial" panose="020B0604020202020204" pitchFamily="34" charset="0"/>
+              </a:rPr>
+              <a:t> (pp. 1539-1554).</a:t>
+            </a:r>
+          </a:p>
+        </p:txBody>
+      </p:sp>
+      <p:graphicFrame>
+        <p:nvGraphicFramePr>
+          <p:cNvPr id="4" name="表格 3">
+            <a:extLst>
+              <a:ext uri="{FF2B5EF4-FFF2-40B4-BE49-F238E27FC236}">
+                <a16:creationId xmlns:a16="http://schemas.microsoft.com/office/drawing/2014/main" id="{5C6CC935-6718-174E-B856-B5D443EF308C}"/>
+              </a:ext>
+            </a:extLst>
+          </p:cNvPr>
+          <p:cNvGraphicFramePr>
+            <a:graphicFrameLocks noGrp="1"/>
+          </p:cNvGraphicFramePr>
+          <p:nvPr>
+            <p:extLst>
+              <p:ext uri="{D42A27DB-BD31-4B8C-83A1-F6EECF244321}">
+                <p14:modId xmlns:p14="http://schemas.microsoft.com/office/powerpoint/2010/main" val="1258733560"/>
+              </p:ext>
+            </p:extLst>
+          </p:nvPr>
+        </p:nvGraphicFramePr>
+        <p:xfrm>
+          <a:off x="4010025" y="3376454"/>
+          <a:ext cx="4171950" cy="426720"/>
+        </p:xfrm>
+        <a:graphic>
+          <a:graphicData uri="http://schemas.openxmlformats.org/drawingml/2006/table">
+            <a:tbl>
+              <a:tblPr/>
+              <a:tblGrid>
+                <a:gridCol w="4171950">
+                  <a:extLst>
+                    <a:ext uri="{9D8B030D-6E8A-4147-A177-3AD203B41FA5}">
+                      <a16:colId xmlns:a16="http://schemas.microsoft.com/office/drawing/2014/main" val="1328425593"/>
+                    </a:ext>
+                  </a:extLst>
+                </a:gridCol>
+              </a:tblGrid>
+              <a:tr h="0">
+                <a:tc>
+                  <a:txBody>
+                    <a:bodyPr/>
+                    <a:lstStyle/>
+                    <a:p>
+                      <a:pPr fontAlgn="t"/>
+                      <a:endParaRPr lang="en-US" dirty="0">
+                        <a:effectLst/>
+                        <a:latin typeface="Arial" panose="020B0604020202020204" pitchFamily="34" charset="0"/>
+                      </a:endParaRPr>
+                    </a:p>
+                  </a:txBody>
+                  <a:tcPr marT="76200" marB="76200">
+                    <a:lnL>
+                      <a:noFill/>
+                    </a:lnL>
+                    <a:lnR>
+                      <a:noFill/>
+                    </a:lnR>
+                    <a:lnT>
+                      <a:noFill/>
+                    </a:lnT>
+                    <a:lnB>
+                      <a:noFill/>
+                    </a:lnB>
+                  </a:tcPr>
+                </a:tc>
+                <a:extLst>
+                  <a:ext uri="{0D108BD9-81ED-4DB2-BD59-A6C34878D82A}">
+                    <a16:rowId xmlns:a16="http://schemas.microsoft.com/office/drawing/2014/main" val="1983260976"/>
+                  </a:ext>
+                </a:extLst>
+              </a:tr>
+            </a:tbl>
+          </a:graphicData>
+        </a:graphic>
+      </p:graphicFrame>
+    </p:spTree>
+    <p:extLst>
+      <p:ext uri="{BB962C8B-B14F-4D97-AF65-F5344CB8AC3E}">
+        <p14:creationId xmlns:p14="http://schemas.microsoft.com/office/powerpoint/2010/main" val="3994579917"/>
+      </p:ext>
+    </p:extLst>
+  </p:cSld>
+  <p:clrMapOvr>
+    <a:masterClrMapping/>
+  </p:clrMapOvr>
+</p:sld>
+</file>
+
+<file path=ppt/slides/slide11.xml><?xml version="1.0" encoding="utf-8"?>
 <p:sld xmlns:a="http://schemas.openxmlformats.org/drawingml/2006/main" xmlns:r="http://schemas.openxmlformats.org/officeDocument/2006/relationships" xmlns:p="http://schemas.openxmlformats.org/presentationml/2006/main">
   <p:cSld>
     <p:spTree>
@@ -5242,8 +6245,8 @@
           </a:p>
         </p:txBody>
       </p:sp>
-      <mc:AlternateContent xmlns:mc="http://schemas.openxmlformats.org/markup-compatibility/2006" xmlns:a14="http://schemas.microsoft.com/office/drawing/2010/main">
-        <mc:Choice Requires="a14">
+      <mc:AlternateContent xmlns:mc="http://schemas.openxmlformats.org/markup-compatibility/2006">
+        <mc:Choice xmlns:a14="http://schemas.microsoft.com/office/drawing/2010/main" Requires="a14">
           <p:sp>
             <p:nvSpPr>
               <p:cNvPr id="5" name="文本框 4">
@@ -5277,7 +6280,36 @@
                     <a:latin typeface="Times New Roman" panose="02020603050405020304" pitchFamily="18" charset="0"/>
                     <a:cs typeface="Times New Roman" panose="02020603050405020304" pitchFamily="18" charset="0"/>
                   </a:rPr>
-                  <a:t>Influence Maximization (IM): </a:t>
+                  <a:t>Influence Maximization (IM)</a:t>
+                </a:r>
+                <a:r>
+                  <a:rPr kumimoji="1" lang="en-US" altLang="zh-CN" sz="2400" baseline="30000" dirty="0">
+                    <a:latin typeface="Times New Roman" panose="02020603050405020304" pitchFamily="18" charset="0"/>
+                    <a:cs typeface="Times New Roman" panose="02020603050405020304" pitchFamily="18" charset="0"/>
+                  </a:rPr>
+                  <a:t> [</a:t>
+                </a:r>
+                <a:r>
+                  <a:rPr kumimoji="1" lang="en-US" altLang="zh-CN" sz="2400" baseline="30000" dirty="0">
+                    <a:latin typeface="Times New Roman" panose="02020603050405020304" pitchFamily="18" charset="0"/>
+                    <a:cs typeface="Times New Roman" panose="02020603050405020304" pitchFamily="18" charset="0"/>
+                    <a:hlinkClick r:id="rId5" action="ppaction://hlinksldjump"/>
+                  </a:rPr>
+                  <a:t>1</a:t>
+                </a:r>
+                <a:r>
+                  <a:rPr kumimoji="1" lang="en-US" altLang="zh-CN" sz="2400" baseline="30000" dirty="0">
+                    <a:latin typeface="Times New Roman" panose="02020603050405020304" pitchFamily="18" charset="0"/>
+                    <a:cs typeface="Times New Roman" panose="02020603050405020304" pitchFamily="18" charset="0"/>
+                  </a:rPr>
+                  <a:t>]</a:t>
+                </a:r>
+                <a:r>
+                  <a:rPr kumimoji="1" lang="en-US" altLang="zh-CN" sz="2400" b="1" dirty="0">
+                    <a:latin typeface="Times New Roman" panose="02020603050405020304" pitchFamily="18" charset="0"/>
+                    <a:cs typeface="Times New Roman" panose="02020603050405020304" pitchFamily="18" charset="0"/>
+                  </a:rPr>
+                  <a:t> : </a:t>
                 </a:r>
                 <a:r>
                   <a:rPr kumimoji="1" lang="en-US" altLang="zh-CN" sz="2400" dirty="0">
@@ -5302,7 +6334,25 @@
                     <a:latin typeface="Times New Roman" panose="02020603050405020304" pitchFamily="18" charset="0"/>
                     <a:cs typeface="Times New Roman" panose="02020603050405020304" pitchFamily="18" charset="0"/>
                   </a:rPr>
-                  <a:t>, select </a:t>
+                  <a:t>, select a seed set </a:t>
+                </a:r>
+                <a14:m>
+                  <m:oMath xmlns:m="http://schemas.openxmlformats.org/officeDocument/2006/math">
+                    <m:r>
+                      <a:rPr kumimoji="1" lang="en-US" altLang="zh-CN" sz="2400" b="0" i="1" smtClean="0">
+                        <a:latin typeface="Cambria Math" panose="02040503050406030204" pitchFamily="18" charset="0"/>
+                        <a:cs typeface="Times New Roman" panose="02020603050405020304" pitchFamily="18" charset="0"/>
+                      </a:rPr>
+                      <m:t>𝑆</m:t>
+                    </m:r>
+                  </m:oMath>
+                </a14:m>
+                <a:r>
+                  <a:rPr kumimoji="1" lang="en-US" altLang="zh-CN" sz="2400" dirty="0">
+                    <a:latin typeface="Times New Roman" panose="02020603050405020304" pitchFamily="18" charset="0"/>
+                    <a:cs typeface="Times New Roman" panose="02020603050405020304" pitchFamily="18" charset="0"/>
+                  </a:rPr>
+                  <a:t> of </a:t>
                 </a:r>
                 <a14:m>
                   <m:oMath xmlns:m="http://schemas.openxmlformats.org/officeDocument/2006/math">
@@ -5347,7 +6397,7 @@
             </p:txBody>
           </p:sp>
         </mc:Choice>
-        <mc:Fallback xmlns="">
+        <mc:Fallback>
           <p:sp>
             <p:nvSpPr>
               <p:cNvPr id="5" name="文本框 4">
@@ -5371,9 +6421,9 @@
                 <a:avLst/>
               </a:prstGeom>
               <a:blipFill>
-                <a:blip r:embed="rId5"/>
+                <a:blip r:embed="rId6"/>
                 <a:stretch>
-                  <a:fillRect l="-786" t="-2597"/>
+                  <a:fillRect l="-786" t="-2597" r="-112"/>
                 </a:stretch>
               </a:blipFill>
             </p:spPr>
@@ -7829,6 +8879,48 @@
           </p:style>
         </p:cxnSp>
       </p:grpSp>
+      <p:sp>
+        <p:nvSpPr>
+          <p:cNvPr id="57" name="文本框 56">
+            <a:extLst>
+              <a:ext uri="{FF2B5EF4-FFF2-40B4-BE49-F238E27FC236}">
+                <a16:creationId xmlns:a16="http://schemas.microsoft.com/office/drawing/2014/main" id="{CD103F2A-64F4-F443-8CF1-1FCE4E450CE0}"/>
+              </a:ext>
+            </a:extLst>
+          </p:cNvPr>
+          <p:cNvSpPr txBox="1"/>
+          <p:nvPr/>
+        </p:nvSpPr>
+        <p:spPr>
+          <a:xfrm>
+            <a:off x="4679666" y="6446666"/>
+            <a:ext cx="2967479" cy="369332"/>
+          </a:xfrm>
+          <a:prstGeom prst="rect">
+            <a:avLst/>
+          </a:prstGeom>
+          <a:noFill/>
+        </p:spPr>
+        <p:txBody>
+          <a:bodyPr wrap="none" rtlCol="0">
+            <a:spAutoFit/>
+          </a:bodyPr>
+          <a:lstStyle/>
+          <a:p>
+            <a:r>
+              <a:rPr kumimoji="1" lang="en-US" altLang="zh-CN" dirty="0">
+                <a:latin typeface="Times New Roman" panose="02020603050405020304" pitchFamily="18" charset="0"/>
+                <a:cs typeface="Times New Roman" panose="02020603050405020304" pitchFamily="18" charset="0"/>
+              </a:rPr>
+              <a:t>Fig. 1 Illustration of IC model</a:t>
+            </a:r>
+            <a:endParaRPr kumimoji="1" lang="zh-CN" altLang="en-US" dirty="0">
+              <a:latin typeface="Times New Roman" panose="02020603050405020304" pitchFamily="18" charset="0"/>
+              <a:cs typeface="Times New Roman" panose="02020603050405020304" pitchFamily="18" charset="0"/>
+            </a:endParaRPr>
+          </a:p>
+        </p:txBody>
+      </p:sp>
     </p:spTree>
     <p:extLst>
       <p:ext uri="{BB962C8B-B14F-4D97-AF65-F5344CB8AC3E}">
@@ -8072,7 +9164,7 @@
                 <a:cs typeface="Times New Roman" panose="02020603050405020304" pitchFamily="18" charset="0"/>
                 <a:hlinkClick r:id="rId5" action="ppaction://hlinksldjump"/>
               </a:rPr>
-              <a:t>3</a:t>
+              <a:t>2</a:t>
             </a:r>
             <a:r>
               <a:rPr kumimoji="1" lang="en-US" altLang="zh-CN" sz="2400" baseline="30000" dirty="0">
@@ -10196,6 +11288,156 @@
           </p:style>
         </p:cxnSp>
       </p:grpSp>
+      <p:sp>
+        <p:nvSpPr>
+          <p:cNvPr id="51" name="文本框 50">
+            <a:extLst>
+              <a:ext uri="{FF2B5EF4-FFF2-40B4-BE49-F238E27FC236}">
+                <a16:creationId xmlns:a16="http://schemas.microsoft.com/office/drawing/2014/main" id="{7A0357D0-87B1-DE44-8C85-9ABB088F7775}"/>
+              </a:ext>
+            </a:extLst>
+          </p:cNvPr>
+          <p:cNvSpPr txBox="1"/>
+          <p:nvPr/>
+        </p:nvSpPr>
+        <p:spPr>
+          <a:xfrm>
+            <a:off x="3961441" y="5617557"/>
+            <a:ext cx="4269117" cy="369332"/>
+          </a:xfrm>
+          <a:prstGeom prst="rect">
+            <a:avLst/>
+          </a:prstGeom>
+          <a:noFill/>
+        </p:spPr>
+        <p:txBody>
+          <a:bodyPr wrap="none" rtlCol="0">
+            <a:spAutoFit/>
+          </a:bodyPr>
+          <a:lstStyle/>
+          <a:p>
+            <a:r>
+              <a:rPr kumimoji="1" lang="en-US" altLang="zh-CN" dirty="0">
+                <a:latin typeface="Times New Roman" panose="02020603050405020304" pitchFamily="18" charset="0"/>
+                <a:cs typeface="Times New Roman" panose="02020603050405020304" pitchFamily="18" charset="0"/>
+              </a:rPr>
+              <a:t>Fig. 2 Illustration of Reverse Reachable sets</a:t>
+            </a:r>
+            <a:endParaRPr kumimoji="1" lang="zh-CN" altLang="en-US" dirty="0">
+              <a:latin typeface="Times New Roman" panose="02020603050405020304" pitchFamily="18" charset="0"/>
+              <a:cs typeface="Times New Roman" panose="02020603050405020304" pitchFamily="18" charset="0"/>
+            </a:endParaRPr>
+          </a:p>
+        </p:txBody>
+      </p:sp>
+      <p:sp>
+        <p:nvSpPr>
+          <p:cNvPr id="2" name="文本框 1">
+            <a:extLst>
+              <a:ext uri="{FF2B5EF4-FFF2-40B4-BE49-F238E27FC236}">
+                <a16:creationId xmlns:a16="http://schemas.microsoft.com/office/drawing/2014/main" id="{36346325-1385-DD49-A52C-102EFBF3525D}"/>
+              </a:ext>
+            </a:extLst>
+          </p:cNvPr>
+          <p:cNvSpPr txBox="1"/>
+          <p:nvPr/>
+        </p:nvSpPr>
+        <p:spPr>
+          <a:xfrm>
+            <a:off x="667465" y="3943764"/>
+            <a:ext cx="1146468" cy="923330"/>
+          </a:xfrm>
+          <a:prstGeom prst="rect">
+            <a:avLst/>
+          </a:prstGeom>
+          <a:noFill/>
+        </p:spPr>
+        <p:txBody>
+          <a:bodyPr wrap="none" rtlCol="0">
+            <a:spAutoFit/>
+          </a:bodyPr>
+          <a:lstStyle/>
+          <a:p>
+            <a:r>
+              <a:rPr kumimoji="1" lang="en-US" altLang="zh-CN" dirty="0">
+                <a:latin typeface="Times New Roman" panose="02020603050405020304" pitchFamily="18" charset="0"/>
+                <a:cs typeface="Times New Roman" panose="02020603050405020304" pitchFamily="18" charset="0"/>
+              </a:rPr>
+              <a:t>Reverse</a:t>
+            </a:r>
+            <a:br>
+              <a:rPr kumimoji="1" lang="en-US" altLang="zh-CN" dirty="0">
+                <a:latin typeface="Times New Roman" panose="02020603050405020304" pitchFamily="18" charset="0"/>
+                <a:cs typeface="Times New Roman" panose="02020603050405020304" pitchFamily="18" charset="0"/>
+              </a:rPr>
+            </a:br>
+            <a:r>
+              <a:rPr kumimoji="1" lang="en-US" altLang="zh-CN" dirty="0">
+                <a:latin typeface="Times New Roman" panose="02020603050405020304" pitchFamily="18" charset="0"/>
+                <a:cs typeface="Times New Roman" panose="02020603050405020304" pitchFamily="18" charset="0"/>
+              </a:rPr>
+              <a:t>Reachable</a:t>
+            </a:r>
+          </a:p>
+          <a:p>
+            <a:r>
+              <a:rPr kumimoji="1" lang="en-US" altLang="zh-CN" dirty="0">
+                <a:latin typeface="Times New Roman" panose="02020603050405020304" pitchFamily="18" charset="0"/>
+                <a:cs typeface="Times New Roman" panose="02020603050405020304" pitchFamily="18" charset="0"/>
+              </a:rPr>
+              <a:t>set</a:t>
+            </a:r>
+            <a:endParaRPr kumimoji="1" lang="zh-CN" altLang="en-US" dirty="0">
+              <a:latin typeface="Times New Roman" panose="02020603050405020304" pitchFamily="18" charset="0"/>
+              <a:cs typeface="Times New Roman" panose="02020603050405020304" pitchFamily="18" charset="0"/>
+            </a:endParaRPr>
+          </a:p>
+        </p:txBody>
+      </p:sp>
+      <p:cxnSp>
+        <p:nvCxnSpPr>
+          <p:cNvPr id="4" name="直线箭头连接符 3">
+            <a:extLst>
+              <a:ext uri="{FF2B5EF4-FFF2-40B4-BE49-F238E27FC236}">
+                <a16:creationId xmlns:a16="http://schemas.microsoft.com/office/drawing/2014/main" id="{1716815E-1F97-2C49-9AB6-701362C9FAF2}"/>
+              </a:ext>
+            </a:extLst>
+          </p:cNvPr>
+          <p:cNvCxnSpPr>
+            <a:cxnSpLocks/>
+          </p:cNvCxnSpPr>
+          <p:nvPr/>
+        </p:nvCxnSpPr>
+        <p:spPr>
+          <a:xfrm flipV="1">
+            <a:off x="1291003" y="3233014"/>
+            <a:ext cx="566507" cy="652663"/>
+          </a:xfrm>
+          <a:prstGeom prst="straightConnector1">
+            <a:avLst/>
+          </a:prstGeom>
+          <a:ln w="76200">
+            <a:solidFill>
+              <a:srgbClr val="E7D0A0"/>
+            </a:solidFill>
+            <a:tailEnd type="triangle"/>
+          </a:ln>
+        </p:spPr>
+        <p:style>
+          <a:lnRef idx="1">
+            <a:schemeClr val="accent1"/>
+          </a:lnRef>
+          <a:fillRef idx="0">
+            <a:schemeClr val="accent1"/>
+          </a:fillRef>
+          <a:effectRef idx="0">
+            <a:schemeClr val="accent1"/>
+          </a:effectRef>
+          <a:fontRef idx="minor">
+            <a:schemeClr val="tx1"/>
+          </a:fontRef>
+        </p:style>
+      </p:cxnSp>
     </p:spTree>
     <p:extLst>
       <p:ext uri="{BB962C8B-B14F-4D97-AF65-F5344CB8AC3E}">
@@ -13643,8 +14885,8 @@
             </p:nvSpPr>
             <p:spPr>
               <a:xfrm>
-                <a:off x="466282" y="1222530"/>
-                <a:ext cx="4558502" cy="1754326"/>
+                <a:off x="372818" y="2275620"/>
+                <a:ext cx="4558502" cy="2862322"/>
               </a:xfrm>
               <a:prstGeom prst="rect">
                 <a:avLst/>
@@ -13657,7 +14899,6 @@
               </a:bodyPr>
               <a:lstStyle/>
               <a:p>
-                <a:pPr/>
                 <a:r>
                   <a:rPr kumimoji="1" lang="en-US" altLang="zh-CN" b="0" dirty="0">
                     <a:latin typeface="Times New Roman" panose="02020603050405020304" pitchFamily="18" charset="0"/>
@@ -13684,7 +14925,6 @@
                 </a:r>
               </a:p>
               <a:p>
-                <a:pPr/>
                 <a:r>
                   <a:rPr kumimoji="1" lang="en-US" altLang="zh-CN" dirty="0">
                     <a:latin typeface="Times New Roman" panose="02020603050405020304" pitchFamily="18" charset="0"/>
@@ -13718,7 +14958,6 @@
                 </a:r>
               </a:p>
               <a:p>
-                <a:pPr/>
                 <a:endParaRPr kumimoji="1" lang="en-US" altLang="zh-CN" b="0" dirty="0">
                   <a:latin typeface="Times New Roman" panose="02020603050405020304" pitchFamily="18" charset="0"/>
                   <a:cs typeface="Times New Roman" panose="02020603050405020304" pitchFamily="18" charset="0"/>
@@ -13796,13 +15035,7 @@
                         <a:rPr kumimoji="1" lang="en-US" altLang="zh-CN" b="0" i="1" smtClean="0">
                           <a:latin typeface="Cambria Math" panose="02040503050406030204" pitchFamily="18" charset="0"/>
                         </a:rPr>
-                        <m:t>]</m:t>
-                      </m:r>
-                      <m:r>
-                        <a:rPr kumimoji="1" lang="en-US" altLang="zh-CN" b="0" i="1" smtClean="0">
-                          <a:latin typeface="Cambria Math" panose="02040503050406030204" pitchFamily="18" charset="0"/>
-                        </a:rPr>
-                        <m:t>=</m:t>
+                        <m:t>]=</m:t>
                       </m:r>
                       <m:r>
                         <a:rPr kumimoji="1" lang="en-US" altLang="zh-CN" b="0" i="1" smtClean="0">
@@ -13843,7 +15076,41 @@
                     </m:oMath>
                   </m:oMathPara>
                 </a14:m>
-                <a:endParaRPr kumimoji="1" lang="zh-CN" altLang="en-US" dirty="0"/>
+                <a:endParaRPr kumimoji="1" lang="en-US" altLang="zh-CN" dirty="0"/>
+              </a:p>
+              <a:p>
+                <a:pPr/>
+                <a:endParaRPr kumimoji="1" lang="en-US" altLang="zh-CN" dirty="0">
+                  <a:latin typeface="Times New Roman" panose="02020603050405020304" pitchFamily="18" charset="0"/>
+                  <a:cs typeface="Times New Roman" panose="02020603050405020304" pitchFamily="18" charset="0"/>
+                </a:endParaRPr>
+              </a:p>
+              <a:p>
+                <a:pPr/>
+                <a:endParaRPr kumimoji="1" lang="en-US" altLang="zh-CN" dirty="0">
+                  <a:latin typeface="Times New Roman" panose="02020603050405020304" pitchFamily="18" charset="0"/>
+                  <a:cs typeface="Times New Roman" panose="02020603050405020304" pitchFamily="18" charset="0"/>
+                </a:endParaRPr>
+              </a:p>
+              <a:p>
+                <a:pPr/>
+                <a:r>
+                  <a:rPr kumimoji="1" lang="en-US" altLang="zh-CN" dirty="0">
+                    <a:latin typeface="Times New Roman" panose="02020603050405020304" pitchFamily="18" charset="0"/>
+                    <a:cs typeface="Times New Roman" panose="02020603050405020304" pitchFamily="18" charset="0"/>
+                  </a:rPr>
+                  <a:t>To maximize the influence spread</a:t>
+                </a:r>
+              </a:p>
+              <a:p>
+                <a:pPr/>
+                <a:r>
+                  <a:rPr kumimoji="1" lang="en-US" altLang="zh-CN" dirty="0">
+                    <a:latin typeface="Times New Roman" panose="02020603050405020304" pitchFamily="18" charset="0"/>
+                    <a:cs typeface="Times New Roman" panose="02020603050405020304" pitchFamily="18" charset="0"/>
+                  </a:rPr>
+                  <a:t>= To maximize the number of covered RR sets</a:t>
+                </a:r>
               </a:p>
             </p:txBody>
           </p:sp>
@@ -13865,8 +15132,8 @@
             </p:nvSpPr>
             <p:spPr>
               <a:xfrm>
-                <a:off x="466282" y="1222530"/>
-                <a:ext cx="4558502" cy="1754326"/>
+                <a:off x="372818" y="2275620"/>
+                <a:ext cx="4558502" cy="2862322"/>
               </a:xfrm>
               <a:prstGeom prst="rect">
                 <a:avLst/>
@@ -13874,7 +15141,129 @@
               <a:blipFill>
                 <a:blip r:embed="rId6"/>
                 <a:stretch>
-                  <a:fillRect l="-1111" t="-1439" r="-556" b="-2158"/>
+                  <a:fillRect l="-1111" t="-885" r="-556" b="-2212"/>
+                </a:stretch>
+              </a:blipFill>
+            </p:spPr>
+            <p:txBody>
+              <a:bodyPr/>
+              <a:lstStyle/>
+              <a:p>
+                <a:r>
+                  <a:rPr lang="zh-CN" altLang="en-US">
+                    <a:noFill/>
+                  </a:rPr>
+                  <a:t> </a:t>
+                </a:r>
+              </a:p>
+            </p:txBody>
+          </p:sp>
+        </mc:Fallback>
+      </mc:AlternateContent>
+      <mc:AlternateContent xmlns:mc="http://schemas.openxmlformats.org/markup-compatibility/2006">
+        <mc:Choice xmlns:a14="http://schemas.microsoft.com/office/drawing/2010/main" Requires="a14">
+          <p:sp>
+            <p:nvSpPr>
+              <p:cNvPr id="72" name="文本框 71">
+                <a:extLst>
+                  <a:ext uri="{FF2B5EF4-FFF2-40B4-BE49-F238E27FC236}">
+                    <a16:creationId xmlns:a16="http://schemas.microsoft.com/office/drawing/2014/main" id="{9A84A00B-72B5-5C46-8F7A-AF4CE94E693F}"/>
+                  </a:ext>
+                </a:extLst>
+              </p:cNvPr>
+              <p:cNvSpPr txBox="1"/>
+              <p:nvPr/>
+            </p:nvSpPr>
+            <p:spPr>
+              <a:xfrm>
+                <a:off x="7188602" y="6425276"/>
+                <a:ext cx="3081613" cy="369332"/>
+              </a:xfrm>
+              <a:prstGeom prst="rect">
+                <a:avLst/>
+              </a:prstGeom>
+              <a:noFill/>
+            </p:spPr>
+            <p:txBody>
+              <a:bodyPr wrap="none" rtlCol="0">
+                <a:spAutoFit/>
+              </a:bodyPr>
+              <a:lstStyle/>
+              <a:p>
+                <a:r>
+                  <a:rPr kumimoji="1" lang="en-US" altLang="zh-CN" dirty="0">
+                    <a:latin typeface="Times New Roman" panose="02020603050405020304" pitchFamily="18" charset="0"/>
+                    <a:cs typeface="Times New Roman" panose="02020603050405020304" pitchFamily="18" charset="0"/>
+                  </a:rPr>
+                  <a:t>Fig. 3</a:t>
+                </a:r>
+                <a:r>
+                  <a:rPr kumimoji="1" lang="zh-CN" altLang="en-US" dirty="0">
+                    <a:latin typeface="Times New Roman" panose="02020603050405020304" pitchFamily="18" charset="0"/>
+                    <a:cs typeface="Times New Roman" panose="02020603050405020304" pitchFamily="18" charset="0"/>
+                  </a:rPr>
+                  <a:t> </a:t>
+                </a:r>
+                <a:r>
+                  <a:rPr kumimoji="1" lang="en-US" altLang="zh-CN" dirty="0">
+                    <a:latin typeface="Times New Roman" panose="02020603050405020304" pitchFamily="18" charset="0"/>
+                    <a:cs typeface="Times New Roman" panose="02020603050405020304" pitchFamily="18" charset="0"/>
+                  </a:rPr>
+                  <a:t>IM as a </a:t>
+                </a:r>
+                <a14:m>
+                  <m:oMath xmlns:m="http://schemas.openxmlformats.org/officeDocument/2006/math">
+                    <m:r>
+                      <a:rPr kumimoji="1" lang="en-US" altLang="zh-CN" b="0" i="1" smtClean="0">
+                        <a:latin typeface="Cambria Math" panose="02040503050406030204" pitchFamily="18" charset="0"/>
+                        <a:cs typeface="Times New Roman" panose="02020603050405020304" pitchFamily="18" charset="0"/>
+                      </a:rPr>
+                      <m:t>𝑘</m:t>
+                    </m:r>
+                  </m:oMath>
+                </a14:m>
+                <a:r>
+                  <a:rPr kumimoji="1" lang="en-US" altLang="zh-CN" dirty="0">
+                    <a:latin typeface="Times New Roman" panose="02020603050405020304" pitchFamily="18" charset="0"/>
+                    <a:cs typeface="Times New Roman" panose="02020603050405020304" pitchFamily="18" charset="0"/>
+                  </a:rPr>
+                  <a:t>-cover problem</a:t>
+                </a:r>
+                <a:endParaRPr kumimoji="1" lang="zh-CN" altLang="en-US" dirty="0">
+                  <a:latin typeface="Times New Roman" panose="02020603050405020304" pitchFamily="18" charset="0"/>
+                  <a:cs typeface="Times New Roman" panose="02020603050405020304" pitchFamily="18" charset="0"/>
+                </a:endParaRPr>
+              </a:p>
+            </p:txBody>
+          </p:sp>
+        </mc:Choice>
+        <mc:Fallback>
+          <p:sp>
+            <p:nvSpPr>
+              <p:cNvPr id="72" name="文本框 71">
+                <a:extLst>
+                  <a:ext uri="{FF2B5EF4-FFF2-40B4-BE49-F238E27FC236}">
+                    <a16:creationId xmlns:a16="http://schemas.microsoft.com/office/drawing/2014/main" id="{9A84A00B-72B5-5C46-8F7A-AF4CE94E693F}"/>
+                  </a:ext>
+                </a:extLst>
+              </p:cNvPr>
+              <p:cNvSpPr txBox="1">
+                <a:spLocks noRot="1" noChangeAspect="1" noMove="1" noResize="1" noEditPoints="1" noAdjustHandles="1" noChangeArrowheads="1" noChangeShapeType="1" noTextEdit="1"/>
+              </p:cNvSpPr>
+              <p:nvPr/>
+            </p:nvSpPr>
+            <p:spPr>
+              <a:xfrm>
+                <a:off x="7188602" y="6425276"/>
+                <a:ext cx="3081613" cy="369332"/>
+              </a:xfrm>
+              <a:prstGeom prst="rect">
+                <a:avLst/>
+              </a:prstGeom>
+              <a:blipFill>
+                <a:blip r:embed="rId7"/>
+                <a:stretch>
+                  <a:fillRect l="-1230" t="-3226" r="-820" b="-19355"/>
                 </a:stretch>
               </a:blipFill>
             </p:spPr>
@@ -14135,7 +15524,7 @@
             <p:spPr>
               <a:xfrm>
                 <a:off x="447983" y="1167512"/>
-                <a:ext cx="6562417" cy="3497239"/>
+                <a:ext cx="6562417" cy="4758803"/>
               </a:xfrm>
               <a:prstGeom prst="rect">
                 <a:avLst/>
@@ -14148,6 +15537,52 @@
               </a:bodyPr>
               <a:lstStyle/>
               <a:p>
+                <a:r>
+                  <a:rPr kumimoji="1" lang="en-US" altLang="zh-CN" sz="2000" b="1" dirty="0">
+                    <a:latin typeface="Times New Roman" panose="02020603050405020304" pitchFamily="18" charset="0"/>
+                    <a:cs typeface="Times New Roman" panose="02020603050405020304" pitchFamily="18" charset="0"/>
+                  </a:rPr>
+                  <a:t>Previous Work:</a:t>
+                </a:r>
+              </a:p>
+              <a:p>
+                <a:r>
+                  <a:rPr kumimoji="1" lang="en-US" altLang="zh-CN" sz="2000" b="0" dirty="0">
+                    <a:latin typeface="Times New Roman" panose="02020603050405020304" pitchFamily="18" charset="0"/>
+                    <a:cs typeface="Times New Roman" panose="02020603050405020304" pitchFamily="18" charset="0"/>
+                  </a:rPr>
+                  <a:t>IM [</a:t>
+                </a:r>
+                <a:r>
+                  <a:rPr kumimoji="1" lang="en-US" altLang="zh-CN" sz="2000" b="0" dirty="0">
+                    <a:latin typeface="Times New Roman" panose="02020603050405020304" pitchFamily="18" charset="0"/>
+                    <a:cs typeface="Times New Roman" panose="02020603050405020304" pitchFamily="18" charset="0"/>
+                    <a:hlinkClick r:id="rId6" action="ppaction://hlinksldjump"/>
+                  </a:rPr>
+                  <a:t>3</a:t>
+                </a:r>
+                <a:r>
+                  <a:rPr kumimoji="1" lang="en-US" altLang="zh-CN" sz="2000" b="0" dirty="0">
+                    <a:latin typeface="Times New Roman" panose="02020603050405020304" pitchFamily="18" charset="0"/>
+                    <a:cs typeface="Times New Roman" panose="02020603050405020304" pitchFamily="18" charset="0"/>
+                  </a:rPr>
+                  <a:t>, </a:t>
+                </a:r>
+                <a:r>
+                  <a:rPr kumimoji="1" lang="en-US" altLang="zh-CN" sz="2000" b="0" dirty="0">
+                    <a:latin typeface="Times New Roman" panose="02020603050405020304" pitchFamily="18" charset="0"/>
+                    <a:cs typeface="Times New Roman" panose="02020603050405020304" pitchFamily="18" charset="0"/>
+                    <a:hlinkClick r:id="rId6" action="ppaction://hlinksldjump"/>
+                  </a:rPr>
+                  <a:t>4</a:t>
+                </a:r>
+                <a:r>
+                  <a:rPr kumimoji="1" lang="en-US" altLang="zh-CN" sz="2000" b="0" dirty="0">
+                    <a:latin typeface="Times New Roman" panose="02020603050405020304" pitchFamily="18" charset="0"/>
+                    <a:cs typeface="Times New Roman" panose="02020603050405020304" pitchFamily="18" charset="0"/>
+                  </a:rPr>
+                  <a:t>]: </a:t>
+                </a:r>
                 <a14:m>
                   <m:oMath xmlns:m="http://schemas.openxmlformats.org/officeDocument/2006/math">
                     <m:r>
@@ -14263,6 +15698,26 @@
                 </a:r>
               </a:p>
               <a:p>
+                <a14:m>
+                  <m:oMath xmlns:m="http://schemas.openxmlformats.org/officeDocument/2006/math">
+                    <m:r>
+                      <a:rPr kumimoji="1" lang="en-US" altLang="zh-CN" sz="2000" b="0" i="1" smtClean="0">
+                        <a:latin typeface="Cambria Math" panose="02040503050406030204" pitchFamily="18" charset="0"/>
+                        <a:cs typeface="Times New Roman" panose="02020603050405020304" pitchFamily="18" charset="0"/>
+                      </a:rPr>
+                      <m:t>𝑘</m:t>
+                    </m:r>
+                  </m:oMath>
+                </a14:m>
+                <a:r>
+                  <a:rPr kumimoji="1" lang="en-US" altLang="zh-CN" sz="2000" dirty="0">
+                    <a:latin typeface="Times New Roman" panose="02020603050405020304" pitchFamily="18" charset="0"/>
+                    <a:cs typeface="Times New Roman" panose="02020603050405020304" pitchFamily="18" charset="0"/>
+                  </a:rPr>
+                  <a:t>-cover: sketch-based approximation</a:t>
+                </a:r>
+              </a:p>
+              <a:p>
                 <a:endParaRPr kumimoji="1" lang="en-US" altLang="zh-CN" sz="2000" dirty="0">
                   <a:latin typeface="Times New Roman" panose="02020603050405020304" pitchFamily="18" charset="0"/>
                   <a:cs typeface="Times New Roman" panose="02020603050405020304" pitchFamily="18" charset="0"/>
@@ -14273,6 +15728,21 @@
                   <a:latin typeface="Times New Roman" panose="02020603050405020304" pitchFamily="18" charset="0"/>
                   <a:cs typeface="Times New Roman" panose="02020603050405020304" pitchFamily="18" charset="0"/>
                 </a:endParaRPr>
+              </a:p>
+              <a:p>
+                <a:endParaRPr kumimoji="1" lang="en-US" altLang="zh-CN" sz="2000" dirty="0">
+                  <a:latin typeface="Times New Roman" panose="02020603050405020304" pitchFamily="18" charset="0"/>
+                  <a:cs typeface="Times New Roman" panose="02020603050405020304" pitchFamily="18" charset="0"/>
+                </a:endParaRPr>
+              </a:p>
+              <a:p>
+                <a:r>
+                  <a:rPr kumimoji="1" lang="en-US" altLang="zh-CN" sz="2000" b="1" dirty="0">
+                    <a:latin typeface="Times New Roman" panose="02020603050405020304" pitchFamily="18" charset="0"/>
+                    <a:cs typeface="Times New Roman" panose="02020603050405020304" pitchFamily="18" charset="0"/>
+                  </a:rPr>
+                  <a:t>Our Method:</a:t>
+                </a:r>
               </a:p>
               <a:p>
                 <a:r>
@@ -14475,17 +15945,26 @@
                 </a:r>
               </a:p>
               <a:p>
+                <a:r>
+                  <a:rPr kumimoji="1" lang="en-US" altLang="zh-CN" sz="2000" dirty="0">
+                    <a:latin typeface="Times New Roman" panose="02020603050405020304" pitchFamily="18" charset="0"/>
+                    <a:cs typeface="Times New Roman" panose="02020603050405020304" pitchFamily="18" charset="0"/>
+                  </a:rPr>
+                  <a:t>About </a:t>
+                </a:r>
                 <a14:m>
                   <m:oMath xmlns:m="http://schemas.openxmlformats.org/officeDocument/2006/math">
                     <m:r>
                       <a:rPr kumimoji="1" lang="en-US" altLang="zh-CN" sz="2000" b="0" i="1" smtClean="0">
                         <a:latin typeface="Cambria Math" panose="02040503050406030204" pitchFamily="18" charset="0"/>
+                        <a:cs typeface="Times New Roman" panose="02020603050405020304" pitchFamily="18" charset="0"/>
                       </a:rPr>
                       <m:t>𝑝</m:t>
                     </m:r>
                     <m:r>
                       <a:rPr kumimoji="1" lang="en-US" altLang="zh-CN" sz="2000" b="0" i="1" smtClean="0">
                         <a:latin typeface="Cambria Math" panose="02040503050406030204" pitchFamily="18" charset="0"/>
+                        <a:cs typeface="Times New Roman" panose="02020603050405020304" pitchFamily="18" charset="0"/>
                       </a:rPr>
                       <m:t>𝜃</m:t>
                     </m:r>
@@ -14659,7 +16138,14 @@
                         <a:latin typeface="Cambria Math" panose="02040503050406030204" pitchFamily="18" charset="0"/>
                         <a:cs typeface="Times New Roman" panose="02020603050405020304" pitchFamily="18" charset="0"/>
                       </a:rPr>
-                      <m:t>≥0.4</m:t>
+                      <m:t>≥</m:t>
+                    </m:r>
+                    <m:r>
+                      <a:rPr kumimoji="1" lang="en-US" altLang="zh-CN" sz="2000" b="0" i="1" smtClean="0">
+                        <a:latin typeface="Cambria Math" panose="02040503050406030204" pitchFamily="18" charset="0"/>
+                        <a:cs typeface="Times New Roman" panose="02020603050405020304" pitchFamily="18" charset="0"/>
+                      </a:rPr>
+                      <m:t>𝑟</m:t>
                     </m:r>
                     <m:r>
                       <a:rPr kumimoji="1" lang="en-US" altLang="zh-CN" sz="2000" b="0" i="1" smtClean="0">
@@ -14812,11 +16298,11 @@
                       </m:num>
                       <m:den>
                         <m:r>
-                          <a:rPr kumimoji="1" lang="en-US" altLang="zh-CN" sz="2000" i="1">
+                          <a:rPr kumimoji="1" lang="en-US" altLang="zh-CN" sz="2000" b="0" i="1" smtClean="0">
                             <a:latin typeface="Cambria Math" panose="02040503050406030204" pitchFamily="18" charset="0"/>
                             <a:cs typeface="Times New Roman" panose="02020603050405020304" pitchFamily="18" charset="0"/>
                           </a:rPr>
-                          <m:t>0.4</m:t>
+                          <m:t>𝑟</m:t>
                         </m:r>
                         <m:r>
                           <a:rPr kumimoji="1" lang="en-US" altLang="zh-CN" sz="2000" i="1">
@@ -14875,10 +16361,13 @@
                     </m:r>
                   </m:oMath>
                 </a14:m>
-                <a:endParaRPr kumimoji="1" lang="en-US" altLang="zh-CN" sz="2000" dirty="0">
-                  <a:latin typeface="Times New Roman" panose="02020603050405020304" pitchFamily="18" charset="0"/>
-                  <a:cs typeface="Times New Roman" panose="02020603050405020304" pitchFamily="18" charset="0"/>
-                </a:endParaRPr>
+                <a:r>
+                  <a:rPr kumimoji="1" lang="en-US" altLang="zh-CN" sz="2000" dirty="0">
+                    <a:latin typeface="Times New Roman" panose="02020603050405020304" pitchFamily="18" charset="0"/>
+                    <a:cs typeface="Times New Roman" panose="02020603050405020304" pitchFamily="18" charset="0"/>
+                  </a:rPr>
+                  <a:t>.</a:t>
+                </a:r>
               </a:p>
               <a:p>
                 <a:endParaRPr kumimoji="1" lang="en-US" altLang="zh-CN" sz="2000" dirty="0">
@@ -14907,15 +16396,167 @@
             <p:spPr>
               <a:xfrm>
                 <a:off x="447983" y="1167512"/>
-                <a:ext cx="6562417" cy="3497239"/>
+                <a:ext cx="6562417" cy="4758803"/>
               </a:xfrm>
               <a:prstGeom prst="rect">
                 <a:avLst/>
               </a:prstGeom>
               <a:blipFill>
-                <a:blip r:embed="rId6"/>
+                <a:blip r:embed="rId7"/>
                 <a:stretch>
-                  <a:fillRect l="-967"/>
+                  <a:fillRect l="-967" t="-800"/>
+                </a:stretch>
+              </a:blipFill>
+            </p:spPr>
+            <p:txBody>
+              <a:bodyPr/>
+              <a:lstStyle/>
+              <a:p>
+                <a:r>
+                  <a:rPr lang="zh-CN" altLang="en-US">
+                    <a:noFill/>
+                  </a:rPr>
+                  <a:t> </a:t>
+                </a:r>
+              </a:p>
+            </p:txBody>
+          </p:sp>
+        </mc:Fallback>
+      </mc:AlternateContent>
+      <p:pic>
+        <p:nvPicPr>
+          <p:cNvPr id="4" name="图片 3">
+            <a:extLst>
+              <a:ext uri="{FF2B5EF4-FFF2-40B4-BE49-F238E27FC236}">
+                <a16:creationId xmlns:a16="http://schemas.microsoft.com/office/drawing/2014/main" id="{4E7EB7D6-EF13-044D-94BA-64A934964C5D}"/>
+              </a:ext>
+            </a:extLst>
+          </p:cNvPr>
+          <p:cNvPicPr>
+            <a:picLocks noChangeAspect="1"/>
+          </p:cNvPicPr>
+          <p:nvPr/>
+        </p:nvPicPr>
+        <p:blipFill>
+          <a:blip r:embed="rId8"/>
+          <a:stretch>
+            <a:fillRect/>
+          </a:stretch>
+        </p:blipFill>
+        <p:spPr>
+          <a:xfrm>
+            <a:off x="7453016" y="3849465"/>
+            <a:ext cx="4560005" cy="2575811"/>
+          </a:xfrm>
+          <a:prstGeom prst="rect">
+            <a:avLst/>
+          </a:prstGeom>
+        </p:spPr>
+      </p:pic>
+      <mc:AlternateContent xmlns:mc="http://schemas.openxmlformats.org/markup-compatibility/2006">
+        <mc:Choice xmlns:a14="http://schemas.microsoft.com/office/drawing/2010/main" Requires="a14">
+          <p:sp>
+            <p:nvSpPr>
+              <p:cNvPr id="10" name="文本框 9">
+                <a:extLst>
+                  <a:ext uri="{FF2B5EF4-FFF2-40B4-BE49-F238E27FC236}">
+                    <a16:creationId xmlns:a16="http://schemas.microsoft.com/office/drawing/2014/main" id="{E0289CC0-98B8-0944-A50F-EC04911A14B9}"/>
+                  </a:ext>
+                </a:extLst>
+              </p:cNvPr>
+              <p:cNvSpPr txBox="1"/>
+              <p:nvPr/>
+            </p:nvSpPr>
+            <p:spPr>
+              <a:xfrm>
+                <a:off x="8945236" y="3196309"/>
+                <a:ext cx="2314673" cy="338554"/>
+              </a:xfrm>
+              <a:prstGeom prst="rect">
+                <a:avLst/>
+              </a:prstGeom>
+              <a:noFill/>
+            </p:spPr>
+            <p:txBody>
+              <a:bodyPr wrap="none" rtlCol="0">
+                <a:spAutoFit/>
+              </a:bodyPr>
+              <a:lstStyle/>
+              <a:p>
+                <a:r>
+                  <a:rPr kumimoji="1" lang="en-US" altLang="zh-CN" sz="1600" dirty="0">
+                    <a:latin typeface="Times New Roman" panose="02020603050405020304" pitchFamily="18" charset="0"/>
+                    <a:cs typeface="Times New Roman" panose="02020603050405020304" pitchFamily="18" charset="0"/>
+                  </a:rPr>
+                  <a:t>Fig. 4</a:t>
+                </a:r>
+                <a:r>
+                  <a:rPr kumimoji="1" lang="zh-CN" altLang="en-US" sz="1600" dirty="0">
+                    <a:latin typeface="Times New Roman" panose="02020603050405020304" pitchFamily="18" charset="0"/>
+                    <a:cs typeface="Times New Roman" panose="02020603050405020304" pitchFamily="18" charset="0"/>
+                  </a:rPr>
+                  <a:t> </a:t>
+                </a:r>
+                <a:r>
+                  <a:rPr kumimoji="1" lang="en-US" altLang="zh-CN" sz="1600" dirty="0">
+                    <a:latin typeface="Times New Roman" panose="02020603050405020304" pitchFamily="18" charset="0"/>
+                    <a:cs typeface="Times New Roman" panose="02020603050405020304" pitchFamily="18" charset="0"/>
+                  </a:rPr>
+                  <a:t>Sketch for </a:t>
+                </a:r>
+                <a14:m>
+                  <m:oMath xmlns:m="http://schemas.openxmlformats.org/officeDocument/2006/math">
+                    <m:r>
+                      <a:rPr kumimoji="1" lang="en-US" altLang="zh-CN" sz="1600" b="0" i="1" smtClean="0">
+                        <a:latin typeface="Cambria Math" panose="02040503050406030204" pitchFamily="18" charset="0"/>
+                        <a:cs typeface="Times New Roman" panose="02020603050405020304" pitchFamily="18" charset="0"/>
+                      </a:rPr>
+                      <m:t>𝑘</m:t>
+                    </m:r>
+                  </m:oMath>
+                </a14:m>
+                <a:r>
+                  <a:rPr kumimoji="1" lang="en-US" altLang="zh-CN" sz="1600" dirty="0">
+                    <a:latin typeface="Times New Roman" panose="02020603050405020304" pitchFamily="18" charset="0"/>
+                    <a:cs typeface="Times New Roman" panose="02020603050405020304" pitchFamily="18" charset="0"/>
+                  </a:rPr>
+                  <a:t>-cover</a:t>
+                </a:r>
+                <a:endParaRPr kumimoji="1" lang="zh-CN" altLang="en-US" sz="1600" dirty="0">
+                  <a:latin typeface="Times New Roman" panose="02020603050405020304" pitchFamily="18" charset="0"/>
+                  <a:cs typeface="Times New Roman" panose="02020603050405020304" pitchFamily="18" charset="0"/>
+                </a:endParaRPr>
+              </a:p>
+            </p:txBody>
+          </p:sp>
+        </mc:Choice>
+        <mc:Fallback>
+          <p:sp>
+            <p:nvSpPr>
+              <p:cNvPr id="10" name="文本框 9">
+                <a:extLst>
+                  <a:ext uri="{FF2B5EF4-FFF2-40B4-BE49-F238E27FC236}">
+                    <a16:creationId xmlns:a16="http://schemas.microsoft.com/office/drawing/2014/main" id="{E0289CC0-98B8-0944-A50F-EC04911A14B9}"/>
+                  </a:ext>
+                </a:extLst>
+              </p:cNvPr>
+              <p:cNvSpPr txBox="1">
+                <a:spLocks noRot="1" noChangeAspect="1" noMove="1" noResize="1" noEditPoints="1" noAdjustHandles="1" noChangeArrowheads="1" noChangeShapeType="1" noTextEdit="1"/>
+              </p:cNvSpPr>
+              <p:nvPr/>
+            </p:nvSpPr>
+            <p:spPr>
+              <a:xfrm>
+                <a:off x="8945236" y="3196309"/>
+                <a:ext cx="2314673" cy="338554"/>
+              </a:xfrm>
+              <a:prstGeom prst="rect">
+                <a:avLst/>
+              </a:prstGeom>
+              <a:blipFill>
+                <a:blip r:embed="rId9"/>
+                <a:stretch>
+                  <a:fillRect l="-1639" t="-3571" b="-21429"/>
                 </a:stretch>
               </a:blipFill>
             </p:spPr>
@@ -15061,7 +16702,7 @@
         <p:spPr>
           <a:xfrm>
             <a:off x="451520" y="138827"/>
-            <a:ext cx="1526380" cy="707886"/>
+            <a:ext cx="2823209" cy="707886"/>
           </a:xfrm>
           <a:prstGeom prst="rect">
             <a:avLst/>
@@ -15079,7 +16720,7 @@
                 <a:latin typeface="Times New Roman" panose="02020603050405020304" pitchFamily="18" charset="0"/>
                 <a:cs typeface="Times New Roman" panose="02020603050405020304" pitchFamily="18" charset="0"/>
               </a:rPr>
-              <a:t>Proofs</a:t>
+              <a:t>Some Proofs</a:t>
             </a:r>
             <a:endParaRPr lang="zh-CN" altLang="en-US" sz="4000" dirty="0">
               <a:latin typeface="Times New Roman" panose="02020603050405020304" pitchFamily="18" charset="0"/>
@@ -15416,10 +17057,10 @@
       </p:sp>
       <p:pic>
         <p:nvPicPr>
-          <p:cNvPr id="2" name="图片 1">
+          <p:cNvPr id="3" name="图片 2">
             <a:extLst>
               <a:ext uri="{FF2B5EF4-FFF2-40B4-BE49-F238E27FC236}">
-                <a16:creationId xmlns:a16="http://schemas.microsoft.com/office/drawing/2014/main" id="{A9E6CEEF-823F-944C-9D3D-44694630C926}"/>
+                <a16:creationId xmlns:a16="http://schemas.microsoft.com/office/drawing/2014/main" id="{ACEFE0E3-8859-EF4F-A8AF-AA03B89D709A}"/>
               </a:ext>
             </a:extLst>
           </p:cNvPr>
@@ -15436,8 +17077,8 @@
         </p:blipFill>
         <p:spPr>
           <a:xfrm>
-            <a:off x="2506928" y="1274597"/>
-            <a:ext cx="9237089" cy="4308806"/>
+            <a:off x="376084" y="1070836"/>
+            <a:ext cx="2130844" cy="2081289"/>
           </a:xfrm>
           <a:prstGeom prst="rect">
             <a:avLst/>
@@ -15446,10 +17087,10 @@
       </p:pic>
       <p:pic>
         <p:nvPicPr>
-          <p:cNvPr id="5" name="图片 4">
+          <p:cNvPr id="4" name="图片 3">
             <a:extLst>
               <a:ext uri="{FF2B5EF4-FFF2-40B4-BE49-F238E27FC236}">
-                <a16:creationId xmlns:a16="http://schemas.microsoft.com/office/drawing/2014/main" id="{D55A00AB-66C0-834F-A666-DAE9CE4028DB}"/>
+                <a16:creationId xmlns:a16="http://schemas.microsoft.com/office/drawing/2014/main" id="{7731FDFA-1761-D449-8CA7-C972F1B23883}"/>
               </a:ext>
             </a:extLst>
           </p:cNvPr>
@@ -15466,14 +17107,172 @@
         </p:blipFill>
         <p:spPr>
           <a:xfrm>
-            <a:off x="447983" y="1274597"/>
-            <a:ext cx="2112036" cy="2056129"/>
+            <a:off x="2582046" y="1143063"/>
+            <a:ext cx="9233870" cy="4319770"/>
           </a:xfrm>
           <a:prstGeom prst="rect">
             <a:avLst/>
           </a:prstGeom>
         </p:spPr>
       </p:pic>
+      <mc:AlternateContent xmlns:mc="http://schemas.openxmlformats.org/markup-compatibility/2006">
+        <mc:Choice xmlns:a14="http://schemas.microsoft.com/office/drawing/2010/main" Requires="a14">
+          <p:sp>
+            <p:nvSpPr>
+              <p:cNvPr id="7" name="文本框 6">
+                <a:extLst>
+                  <a:ext uri="{FF2B5EF4-FFF2-40B4-BE49-F238E27FC236}">
+                    <a16:creationId xmlns:a16="http://schemas.microsoft.com/office/drawing/2014/main" id="{538A00A1-6593-9D41-955D-DA15B5DEDCC2}"/>
+                  </a:ext>
+                </a:extLst>
+              </p:cNvPr>
+              <p:cNvSpPr txBox="1"/>
+              <p:nvPr/>
+            </p:nvSpPr>
+            <p:spPr>
+              <a:xfrm>
+                <a:off x="135251" y="5899226"/>
+                <a:ext cx="2612510" cy="923330"/>
+              </a:xfrm>
+              <a:prstGeom prst="rect">
+                <a:avLst/>
+              </a:prstGeom>
+              <a:noFill/>
+            </p:spPr>
+            <p:txBody>
+              <a:bodyPr wrap="none" rtlCol="0">
+                <a:spAutoFit/>
+              </a:bodyPr>
+              <a:lstStyle/>
+              <a:p>
+                <a:pPr/>
+                <a14:m>
+                  <m:oMathPara xmlns:m="http://schemas.openxmlformats.org/officeDocument/2006/math">
+                    <m:oMathParaPr>
+                      <m:jc m:val="left"/>
+                    </m:oMathParaPr>
+                    <m:oMath xmlns:m="http://schemas.openxmlformats.org/officeDocument/2006/math">
+                      <m:r>
+                        <a:rPr kumimoji="1" lang="en-US" altLang="zh-CN" b="0" i="1" smtClean="0">
+                          <a:latin typeface="Cambria Math" panose="02040503050406030204" pitchFamily="18" charset="0"/>
+                        </a:rPr>
+                        <m:t>𝑘</m:t>
+                      </m:r>
+                      <m:r>
+                        <a:rPr kumimoji="1" lang="en-US" altLang="zh-CN" b="0" i="1" smtClean="0">
+                          <a:latin typeface="Cambria Math" panose="02040503050406030204" pitchFamily="18" charset="0"/>
+                        </a:rPr>
+                        <m:t>∈[1, 5]</m:t>
+                      </m:r>
+                    </m:oMath>
+                  </m:oMathPara>
+                </a14:m>
+                <a:endParaRPr kumimoji="1" lang="en-US" altLang="zh-CN" b="0" i="1" dirty="0">
+                  <a:latin typeface="Cambria Math" panose="02040503050406030204" pitchFamily="18" charset="0"/>
+                </a:endParaRPr>
+              </a:p>
+              <a:p>
+                <a14:m>
+                  <m:oMath xmlns:m="http://schemas.openxmlformats.org/officeDocument/2006/math">
+                    <m:r>
+                      <a:rPr kumimoji="1" lang="en-US" altLang="zh-CN" b="0" i="1" smtClean="0">
+                        <a:latin typeface="Cambria Math" panose="02040503050406030204" pitchFamily="18" charset="0"/>
+                      </a:rPr>
+                      <m:t>𝑟</m:t>
+                    </m:r>
+                    <m:r>
+                      <a:rPr kumimoji="1" lang="en-US" altLang="zh-CN" b="0" i="1" smtClean="0">
+                        <a:latin typeface="Cambria Math" panose="02040503050406030204" pitchFamily="18" charset="0"/>
+                      </a:rPr>
+                      <m:t>=1</m:t>
+                    </m:r>
+                  </m:oMath>
+                </a14:m>
+                <a:r>
+                  <a:rPr kumimoji="1" lang="en-US" altLang="zh-CN" dirty="0">
+                    <a:latin typeface="Times New Roman" panose="02020603050405020304" pitchFamily="18" charset="0"/>
+                    <a:cs typeface="Times New Roman" panose="02020603050405020304" pitchFamily="18" charset="0"/>
+                  </a:rPr>
+                  <a:t> for small datasets</a:t>
+                </a:r>
+              </a:p>
+              <a:p>
+                <a14:m>
+                  <m:oMath xmlns:m="http://schemas.openxmlformats.org/officeDocument/2006/math">
+                    <m:r>
+                      <a:rPr kumimoji="1" lang="en-US" altLang="zh-CN" b="0" i="1" smtClean="0">
+                        <a:latin typeface="Cambria Math" panose="02040503050406030204" pitchFamily="18" charset="0"/>
+                      </a:rPr>
+                      <m:t>𝑟</m:t>
+                    </m:r>
+                    <m:r>
+                      <a:rPr kumimoji="1" lang="en-US" altLang="zh-CN" b="0" i="1" smtClean="0">
+                        <a:latin typeface="Cambria Math" panose="02040503050406030204" pitchFamily="18" charset="0"/>
+                      </a:rPr>
+                      <m:t>=0.4</m:t>
+                    </m:r>
+                  </m:oMath>
+                </a14:m>
+                <a:r>
+                  <a:rPr kumimoji="1" lang="en-US" altLang="zh-CN" dirty="0">
+                    <a:latin typeface="Times New Roman" panose="02020603050405020304" pitchFamily="18" charset="0"/>
+                    <a:cs typeface="Times New Roman" panose="02020603050405020304" pitchFamily="18" charset="0"/>
+                  </a:rPr>
+                  <a:t> for larger datasets</a:t>
+                </a:r>
+                <a:endParaRPr kumimoji="1" lang="zh-CN" altLang="en-US" dirty="0">
+                  <a:latin typeface="Times New Roman" panose="02020603050405020304" pitchFamily="18" charset="0"/>
+                  <a:cs typeface="Times New Roman" panose="02020603050405020304" pitchFamily="18" charset="0"/>
+                </a:endParaRPr>
+              </a:p>
+            </p:txBody>
+          </p:sp>
+        </mc:Choice>
+        <mc:Fallback>
+          <p:sp>
+            <p:nvSpPr>
+              <p:cNvPr id="7" name="文本框 6">
+                <a:extLst>
+                  <a:ext uri="{FF2B5EF4-FFF2-40B4-BE49-F238E27FC236}">
+                    <a16:creationId xmlns:a16="http://schemas.microsoft.com/office/drawing/2014/main" id="{538A00A1-6593-9D41-955D-DA15B5DEDCC2}"/>
+                  </a:ext>
+                </a:extLst>
+              </p:cNvPr>
+              <p:cNvSpPr txBox="1">
+                <a:spLocks noRot="1" noChangeAspect="1" noMove="1" noResize="1" noEditPoints="1" noAdjustHandles="1" noChangeArrowheads="1" noChangeShapeType="1" noTextEdit="1"/>
+              </p:cNvSpPr>
+              <p:nvPr/>
+            </p:nvSpPr>
+            <p:spPr>
+              <a:xfrm>
+                <a:off x="135251" y="5899226"/>
+                <a:ext cx="2612510" cy="923330"/>
+              </a:xfrm>
+              <a:prstGeom prst="rect">
+                <a:avLst/>
+              </a:prstGeom>
+              <a:blipFill>
+                <a:blip r:embed="rId7"/>
+                <a:stretch>
+                  <a:fillRect r="-966" b="-9459"/>
+                </a:stretch>
+              </a:blipFill>
+            </p:spPr>
+            <p:txBody>
+              <a:bodyPr/>
+              <a:lstStyle/>
+              <a:p>
+                <a:r>
+                  <a:rPr lang="zh-CN" altLang="en-US">
+                    <a:noFill/>
+                  </a:rPr>
+                  <a:t> </a:t>
+                </a:r>
+              </a:p>
+            </p:txBody>
+          </p:sp>
+        </mc:Fallback>
+      </mc:AlternateContent>
     </p:spTree>
     <p:extLst>
       <p:ext uri="{BB962C8B-B14F-4D97-AF65-F5344CB8AC3E}">
@@ -15790,10 +17589,10 @@
           <p:nvPr/>
         </p:nvPicPr>
         <p:blipFill>
-          <a:blip r:embed="rId2">
+          <a:blip r:embed="rId3">
             <a:extLst>
               <a:ext uri="{96DAC541-7B7A-43D3-8B79-37D633B846F1}">
-                <asvg:svgBlip xmlns:asvg="http://schemas.microsoft.com/office/drawing/2016/SVG/main" r:embed="rId3"/>
+                <asvg:svgBlip xmlns:asvg="http://schemas.microsoft.com/office/drawing/2016/SVG/main" r:embed="rId4"/>
               </a:ext>
             </a:extLst>
           </a:blip>
@@ -15826,7 +17625,7 @@
         <p:spPr>
           <a:xfrm>
             <a:off x="451520" y="138827"/>
-            <a:ext cx="2263761" cy="707886"/>
+            <a:ext cx="2978701" cy="707886"/>
           </a:xfrm>
           <a:prstGeom prst="rect">
             <a:avLst/>
@@ -15844,7 +17643,7 @@
                 <a:latin typeface="Times New Roman" panose="02020603050405020304" pitchFamily="18" charset="0"/>
                 <a:cs typeface="Times New Roman" panose="02020603050405020304" pitchFamily="18" charset="0"/>
               </a:rPr>
-              <a:t>Reference</a:t>
+              <a:t>Clarifications</a:t>
             </a:r>
             <a:endParaRPr lang="zh-CN" altLang="en-US" sz="4000" dirty="0">
               <a:latin typeface="Times New Roman" panose="02020603050405020304" pitchFamily="18" charset="0"/>
@@ -15894,514 +17693,164 @@
           </a:p>
         </p:txBody>
       </p:sp>
-      <p:sp>
-        <p:nvSpPr>
-          <p:cNvPr id="56" name="文本框 55">
-            <a:extLst>
-              <a:ext uri="{FF2B5EF4-FFF2-40B4-BE49-F238E27FC236}">
-                <a16:creationId xmlns:a16="http://schemas.microsoft.com/office/drawing/2014/main" id="{6DA480C6-173B-BF4B-BD2E-3265C6896120}"/>
-              </a:ext>
-            </a:extLst>
-          </p:cNvPr>
-          <p:cNvSpPr txBox="1"/>
-          <p:nvPr/>
-        </p:nvSpPr>
-        <p:spPr>
-          <a:xfrm>
-            <a:off x="515389" y="1163782"/>
-            <a:ext cx="11296034" cy="1938992"/>
-          </a:xfrm>
-          <a:prstGeom prst="rect">
-            <a:avLst/>
-          </a:prstGeom>
-          <a:noFill/>
-        </p:spPr>
-        <p:txBody>
-          <a:bodyPr wrap="square" rtlCol="0">
-            <a:spAutoFit/>
-          </a:bodyPr>
-          <a:lstStyle/>
-          <a:p>
-            <a:r>
-              <a:rPr kumimoji="1" lang="en-US" altLang="zh-CN" sz="1200" dirty="0">
-                <a:solidFill>
-                  <a:srgbClr val="222222"/>
-                </a:solidFill>
-                <a:latin typeface="Arial" panose="020B0604020202020204" pitchFamily="34" charset="0"/>
-                <a:cs typeface="Times New Roman" panose="02020603050405020304" pitchFamily="18" charset="0"/>
-              </a:rPr>
-              <a:t>[1] </a:t>
-            </a:r>
-            <a:r>
-              <a:rPr lang="en-US" altLang="zh-CN" sz="1200" b="0" i="0" u="none" strike="noStrike" dirty="0">
-                <a:solidFill>
-                  <a:srgbClr val="222222"/>
-                </a:solidFill>
-                <a:effectLst/>
-                <a:latin typeface="Arial" panose="020B0604020202020204" pitchFamily="34" charset="0"/>
-              </a:rPr>
-              <a:t>Kempe, D., Kleinberg, J., &amp; </a:t>
-            </a:r>
-            <a:r>
-              <a:rPr lang="en-US" altLang="zh-CN" sz="1200" b="0" i="0" u="none" strike="noStrike" dirty="0" err="1">
-                <a:solidFill>
-                  <a:srgbClr val="222222"/>
-                </a:solidFill>
-                <a:effectLst/>
-                <a:latin typeface="Arial" panose="020B0604020202020204" pitchFamily="34" charset="0"/>
-              </a:rPr>
-              <a:t>Tardos</a:t>
-            </a:r>
-            <a:r>
-              <a:rPr lang="en-US" altLang="zh-CN" sz="1200" b="0" i="0" u="none" strike="noStrike" dirty="0">
-                <a:solidFill>
-                  <a:srgbClr val="222222"/>
-                </a:solidFill>
-                <a:effectLst/>
-                <a:latin typeface="Arial" panose="020B0604020202020204" pitchFamily="34" charset="0"/>
-              </a:rPr>
-              <a:t>, </a:t>
-            </a:r>
-            <a:r>
-              <a:rPr lang="en-US" altLang="zh-CN" sz="1200" b="0" i="0" u="none" strike="noStrike" dirty="0" err="1">
-                <a:solidFill>
-                  <a:srgbClr val="222222"/>
-                </a:solidFill>
-                <a:effectLst/>
-                <a:latin typeface="Arial" panose="020B0604020202020204" pitchFamily="34" charset="0"/>
-              </a:rPr>
-              <a:t>É</a:t>
-            </a:r>
-            <a:r>
-              <a:rPr lang="en-US" altLang="zh-CN" sz="1200" b="0" i="0" u="none" strike="noStrike" dirty="0">
-                <a:solidFill>
-                  <a:srgbClr val="222222"/>
-                </a:solidFill>
-                <a:effectLst/>
-                <a:latin typeface="Arial" panose="020B0604020202020204" pitchFamily="34" charset="0"/>
-              </a:rPr>
-              <a:t>. (2003, August). Maximizing the spread of influence through a social network. In </a:t>
-            </a:r>
-            <a:r>
-              <a:rPr lang="en-US" altLang="zh-CN" sz="1200" b="0" i="1" u="none" strike="noStrike" dirty="0">
-                <a:solidFill>
-                  <a:srgbClr val="222222"/>
-                </a:solidFill>
-                <a:effectLst/>
-                <a:latin typeface="Arial" panose="020B0604020202020204" pitchFamily="34" charset="0"/>
-              </a:rPr>
-              <a:t>Proceedings of the ninth ACM SIGKDD international conference on Knowledge discovery and data mining</a:t>
-            </a:r>
-            <a:r>
-              <a:rPr lang="en-US" altLang="zh-CN" sz="1200" b="0" i="0" u="none" strike="noStrike" dirty="0">
-                <a:solidFill>
-                  <a:srgbClr val="222222"/>
-                </a:solidFill>
-                <a:effectLst/>
-                <a:latin typeface="Arial" panose="020B0604020202020204" pitchFamily="34" charset="0"/>
-              </a:rPr>
-              <a:t> (pp. 137-146).</a:t>
-            </a:r>
-          </a:p>
-          <a:p>
-            <a:r>
-              <a:rPr kumimoji="1" lang="en-US" altLang="zh-CN" sz="1200" dirty="0">
-                <a:solidFill>
-                  <a:srgbClr val="222222"/>
-                </a:solidFill>
-                <a:latin typeface="Arial" panose="020B0604020202020204" pitchFamily="34" charset="0"/>
-                <a:cs typeface="Times New Roman" panose="02020603050405020304" pitchFamily="18" charset="0"/>
-              </a:rPr>
-              <a:t>[2] </a:t>
-            </a:r>
-            <a:r>
-              <a:rPr lang="en-US" altLang="zh-CN" sz="1200" b="0" i="0" u="none" strike="noStrike" dirty="0" err="1">
-                <a:solidFill>
-                  <a:srgbClr val="222222"/>
-                </a:solidFill>
-                <a:effectLst/>
-                <a:latin typeface="Arial" panose="020B0604020202020204" pitchFamily="34" charset="0"/>
-              </a:rPr>
-              <a:t>Leskovec</a:t>
-            </a:r>
-            <a:r>
-              <a:rPr lang="en-US" altLang="zh-CN" sz="1200" b="0" i="0" u="none" strike="noStrike" dirty="0">
-                <a:solidFill>
-                  <a:srgbClr val="222222"/>
-                </a:solidFill>
-                <a:effectLst/>
-                <a:latin typeface="Arial" panose="020B0604020202020204" pitchFamily="34" charset="0"/>
-              </a:rPr>
-              <a:t>, J., Krause, A., </a:t>
-            </a:r>
-            <a:r>
-              <a:rPr lang="en-US" altLang="zh-CN" sz="1200" b="0" i="0" u="none" strike="noStrike" dirty="0" err="1">
-                <a:solidFill>
-                  <a:srgbClr val="222222"/>
-                </a:solidFill>
-                <a:effectLst/>
-                <a:latin typeface="Arial" panose="020B0604020202020204" pitchFamily="34" charset="0"/>
-              </a:rPr>
-              <a:t>Guestrin</a:t>
-            </a:r>
-            <a:r>
-              <a:rPr lang="en-US" altLang="zh-CN" sz="1200" b="0" i="0" u="none" strike="noStrike" dirty="0">
-                <a:solidFill>
-                  <a:srgbClr val="222222"/>
-                </a:solidFill>
-                <a:effectLst/>
-                <a:latin typeface="Arial" panose="020B0604020202020204" pitchFamily="34" charset="0"/>
-              </a:rPr>
-              <a:t>, C., </a:t>
-            </a:r>
-            <a:r>
-              <a:rPr lang="en-US" altLang="zh-CN" sz="1200" b="0" i="0" u="none" strike="noStrike" dirty="0" err="1">
-                <a:solidFill>
-                  <a:srgbClr val="222222"/>
-                </a:solidFill>
-                <a:effectLst/>
-                <a:latin typeface="Arial" panose="020B0604020202020204" pitchFamily="34" charset="0"/>
-              </a:rPr>
-              <a:t>Faloutsos</a:t>
-            </a:r>
-            <a:r>
-              <a:rPr lang="en-US" altLang="zh-CN" sz="1200" b="0" i="0" u="none" strike="noStrike" dirty="0">
-                <a:solidFill>
-                  <a:srgbClr val="222222"/>
-                </a:solidFill>
-                <a:effectLst/>
-                <a:latin typeface="Arial" panose="020B0604020202020204" pitchFamily="34" charset="0"/>
-              </a:rPr>
-              <a:t>, C., </a:t>
-            </a:r>
-            <a:r>
-              <a:rPr lang="en-US" altLang="zh-CN" sz="1200" b="0" i="0" u="none" strike="noStrike" dirty="0" err="1">
-                <a:solidFill>
-                  <a:srgbClr val="222222"/>
-                </a:solidFill>
-                <a:effectLst/>
-                <a:latin typeface="Arial" panose="020B0604020202020204" pitchFamily="34" charset="0"/>
-              </a:rPr>
-              <a:t>VanBriesen</a:t>
-            </a:r>
-            <a:r>
-              <a:rPr lang="en-US" altLang="zh-CN" sz="1200" b="0" i="0" u="none" strike="noStrike" dirty="0">
-                <a:solidFill>
-                  <a:srgbClr val="222222"/>
-                </a:solidFill>
-                <a:effectLst/>
-                <a:latin typeface="Arial" panose="020B0604020202020204" pitchFamily="34" charset="0"/>
-              </a:rPr>
-              <a:t>, J., &amp; Glance, N. (2007, August). Cost-effective outbreak detection in networks. In </a:t>
-            </a:r>
-            <a:r>
-              <a:rPr lang="en-US" altLang="zh-CN" sz="1200" b="0" i="1" u="none" strike="noStrike" dirty="0">
-                <a:solidFill>
-                  <a:srgbClr val="222222"/>
-                </a:solidFill>
-                <a:effectLst/>
-                <a:latin typeface="Arial" panose="020B0604020202020204" pitchFamily="34" charset="0"/>
-              </a:rPr>
-              <a:t>Proceedings of the 13th ACM SIGKDD international conference on Knowledge discovery and data mining</a:t>
-            </a:r>
-            <a:r>
-              <a:rPr lang="en-US" altLang="zh-CN" sz="1200" b="0" i="0" u="none" strike="noStrike" dirty="0">
-                <a:solidFill>
-                  <a:srgbClr val="222222"/>
-                </a:solidFill>
-                <a:effectLst/>
-                <a:latin typeface="Arial" panose="020B0604020202020204" pitchFamily="34" charset="0"/>
-              </a:rPr>
-              <a:t> (pp. 420-429).</a:t>
-            </a:r>
-          </a:p>
-          <a:p>
-            <a:r>
-              <a:rPr lang="en-US" altLang="zh-CN" sz="1200" b="0" i="0" u="none" strike="noStrike" dirty="0">
-                <a:solidFill>
-                  <a:srgbClr val="222222"/>
-                </a:solidFill>
-                <a:effectLst/>
-                <a:latin typeface="Arial" panose="020B0604020202020204" pitchFamily="34" charset="0"/>
-              </a:rPr>
-              <a:t>[3] Borgs, C., </a:t>
-            </a:r>
-            <a:r>
-              <a:rPr lang="en-US" altLang="zh-CN" sz="1200" b="0" i="0" u="none" strike="noStrike" dirty="0" err="1">
-                <a:solidFill>
-                  <a:srgbClr val="222222"/>
-                </a:solidFill>
-                <a:effectLst/>
-                <a:latin typeface="Arial" panose="020B0604020202020204" pitchFamily="34" charset="0"/>
-              </a:rPr>
-              <a:t>Brautbar</a:t>
-            </a:r>
-            <a:r>
-              <a:rPr lang="en-US" altLang="zh-CN" sz="1200" b="0" i="0" u="none" strike="noStrike" dirty="0">
-                <a:solidFill>
-                  <a:srgbClr val="222222"/>
-                </a:solidFill>
-                <a:effectLst/>
-                <a:latin typeface="Arial" panose="020B0604020202020204" pitchFamily="34" charset="0"/>
-              </a:rPr>
-              <a:t>, M., </a:t>
-            </a:r>
-            <a:r>
-              <a:rPr lang="en-US" altLang="zh-CN" sz="1200" b="0" i="0" u="none" strike="noStrike" dirty="0" err="1">
-                <a:solidFill>
-                  <a:srgbClr val="222222"/>
-                </a:solidFill>
-                <a:effectLst/>
-                <a:latin typeface="Arial" panose="020B0604020202020204" pitchFamily="34" charset="0"/>
-              </a:rPr>
-              <a:t>Chayes</a:t>
-            </a:r>
-            <a:r>
-              <a:rPr lang="en-US" altLang="zh-CN" sz="1200" b="0" i="0" u="none" strike="noStrike" dirty="0">
-                <a:solidFill>
-                  <a:srgbClr val="222222"/>
-                </a:solidFill>
-                <a:effectLst/>
-                <a:latin typeface="Arial" panose="020B0604020202020204" pitchFamily="34" charset="0"/>
-              </a:rPr>
-              <a:t>, J., &amp; </a:t>
-            </a:r>
-            <a:r>
-              <a:rPr lang="en-US" altLang="zh-CN" sz="1200" b="0" i="0" u="none" strike="noStrike" dirty="0" err="1">
-                <a:solidFill>
-                  <a:srgbClr val="222222"/>
-                </a:solidFill>
-                <a:effectLst/>
-                <a:latin typeface="Arial" panose="020B0604020202020204" pitchFamily="34" charset="0"/>
-              </a:rPr>
-              <a:t>Lucier</a:t>
-            </a:r>
-            <a:r>
-              <a:rPr lang="en-US" altLang="zh-CN" sz="1200" b="0" i="0" u="none" strike="noStrike" dirty="0">
-                <a:solidFill>
-                  <a:srgbClr val="222222"/>
-                </a:solidFill>
-                <a:effectLst/>
-                <a:latin typeface="Arial" panose="020B0604020202020204" pitchFamily="34" charset="0"/>
-              </a:rPr>
-              <a:t>, B. (2014, January). Maximizing social influence in nearly optimal time. In </a:t>
-            </a:r>
-            <a:r>
-              <a:rPr lang="en-US" altLang="zh-CN" sz="1200" b="0" i="1" u="none" strike="noStrike" dirty="0">
-                <a:solidFill>
-                  <a:srgbClr val="222222"/>
-                </a:solidFill>
-                <a:effectLst/>
-                <a:latin typeface="Arial" panose="020B0604020202020204" pitchFamily="34" charset="0"/>
-              </a:rPr>
-              <a:t>Proceedings of the twenty-fifth annual ACM-SIAM symposium on Discrete algorithms</a:t>
-            </a:r>
-            <a:r>
-              <a:rPr lang="en-US" altLang="zh-CN" sz="1200" b="0" i="0" u="none" strike="noStrike" dirty="0">
-                <a:solidFill>
-                  <a:srgbClr val="222222"/>
-                </a:solidFill>
-                <a:effectLst/>
-                <a:latin typeface="Arial" panose="020B0604020202020204" pitchFamily="34" charset="0"/>
-              </a:rPr>
-              <a:t> (pp. 946-957). Society for Industrial and Applied Mathematics.</a:t>
-            </a:r>
-          </a:p>
-          <a:p>
-            <a:r>
-              <a:rPr lang="en-US" altLang="zh-CN" sz="1200" dirty="0">
-                <a:effectLst/>
-                <a:latin typeface="Arial" panose="020B0604020202020204" pitchFamily="34" charset="0"/>
-              </a:rPr>
-              <a:t>[4] Freeman, L. C. (1978). Centrality in social networks conceptual clarification. </a:t>
-            </a:r>
-            <a:r>
-              <a:rPr lang="en-US" altLang="zh-CN" sz="1200" i="1" dirty="0">
-                <a:effectLst/>
-                <a:latin typeface="Arial" panose="020B0604020202020204" pitchFamily="34" charset="0"/>
-              </a:rPr>
-              <a:t>Social networks</a:t>
-            </a:r>
-            <a:r>
-              <a:rPr lang="en-US" altLang="zh-CN" sz="1200" dirty="0">
-                <a:effectLst/>
-                <a:latin typeface="Arial" panose="020B0604020202020204" pitchFamily="34" charset="0"/>
-              </a:rPr>
-              <a:t>, </a:t>
-            </a:r>
-            <a:r>
-              <a:rPr lang="en-US" altLang="zh-CN" sz="1200" i="1" dirty="0">
-                <a:effectLst/>
-                <a:latin typeface="Arial" panose="020B0604020202020204" pitchFamily="34" charset="0"/>
-              </a:rPr>
-              <a:t>1</a:t>
-            </a:r>
-            <a:r>
-              <a:rPr lang="en-US" altLang="zh-CN" sz="1200" dirty="0">
-                <a:effectLst/>
-                <a:latin typeface="Arial" panose="020B0604020202020204" pitchFamily="34" charset="0"/>
-              </a:rPr>
-              <a:t>(3), 215-239.</a:t>
-            </a:r>
-          </a:p>
-          <a:p>
-            <a:r>
-              <a:rPr lang="en-US" altLang="zh-CN" sz="1200" dirty="0">
-                <a:latin typeface="Arial" panose="020B0604020202020204" pitchFamily="34" charset="0"/>
-              </a:rPr>
-              <a:t>[5] </a:t>
-            </a:r>
-            <a:r>
-              <a:rPr lang="en-US" altLang="zh-CN" sz="1200" b="0" i="0" u="none" strike="noStrike" dirty="0">
-                <a:solidFill>
-                  <a:srgbClr val="222222"/>
-                </a:solidFill>
-                <a:effectLst/>
-                <a:latin typeface="Arial" panose="020B0604020202020204" pitchFamily="34" charset="0"/>
-              </a:rPr>
-              <a:t>Page, L., Brin, S., Motwani, R., &amp; Winograd, T. (1999). </a:t>
-            </a:r>
-            <a:r>
-              <a:rPr lang="en-US" altLang="zh-CN" sz="1200" b="0" i="1" u="none" strike="noStrike" dirty="0">
-                <a:solidFill>
-                  <a:srgbClr val="222222"/>
-                </a:solidFill>
-                <a:effectLst/>
-                <a:latin typeface="Arial" panose="020B0604020202020204" pitchFamily="34" charset="0"/>
-              </a:rPr>
-              <a:t>The PageRank citation ranking: Bringing order to the web</a:t>
-            </a:r>
-            <a:r>
-              <a:rPr lang="en-US" altLang="zh-CN" sz="1200" b="0" i="0" u="none" strike="noStrike" dirty="0">
-                <a:solidFill>
-                  <a:srgbClr val="222222"/>
-                </a:solidFill>
-                <a:effectLst/>
-                <a:latin typeface="Arial" panose="020B0604020202020204" pitchFamily="34" charset="0"/>
-              </a:rPr>
-              <a:t>. Stanford </a:t>
-            </a:r>
-            <a:r>
-              <a:rPr lang="en-US" altLang="zh-CN" sz="1200" b="0" i="0" u="none" strike="noStrike" dirty="0" err="1">
-                <a:solidFill>
-                  <a:srgbClr val="222222"/>
-                </a:solidFill>
-                <a:effectLst/>
-                <a:latin typeface="Arial" panose="020B0604020202020204" pitchFamily="34" charset="0"/>
-              </a:rPr>
-              <a:t>InfoLab</a:t>
-            </a:r>
-            <a:r>
-              <a:rPr lang="en-US" altLang="zh-CN" sz="1200" b="0" i="0" u="none" strike="noStrike" dirty="0">
-                <a:solidFill>
-                  <a:srgbClr val="222222"/>
-                </a:solidFill>
-                <a:effectLst/>
-                <a:latin typeface="Arial" panose="020B0604020202020204" pitchFamily="34" charset="0"/>
-              </a:rPr>
-              <a:t>.</a:t>
-            </a:r>
-            <a:endParaRPr lang="en-US" altLang="zh-CN" sz="1200" dirty="0">
-              <a:effectLst/>
-              <a:latin typeface="Arial" panose="020B0604020202020204" pitchFamily="34" charset="0"/>
-            </a:endParaRPr>
-          </a:p>
-          <a:p>
-            <a:endParaRPr lang="en-US" altLang="zh-CN" sz="1200" b="0" i="0" u="none" strike="noStrike" dirty="0">
-              <a:solidFill>
-                <a:srgbClr val="222222"/>
-              </a:solidFill>
-              <a:effectLst/>
-              <a:latin typeface="Arial" panose="020B0604020202020204" pitchFamily="34" charset="0"/>
-            </a:endParaRPr>
-          </a:p>
-          <a:p>
-            <a:endParaRPr kumimoji="1" lang="en-US" altLang="zh-CN" sz="1200" dirty="0">
-              <a:latin typeface="Times New Roman" panose="02020603050405020304" pitchFamily="18" charset="0"/>
-              <a:cs typeface="Times New Roman" panose="02020603050405020304" pitchFamily="18" charset="0"/>
-            </a:endParaRPr>
-          </a:p>
-        </p:txBody>
-      </p:sp>
-      <p:graphicFrame>
-        <p:nvGraphicFramePr>
-          <p:cNvPr id="4" name="表格 3">
-            <a:extLst>
-              <a:ext uri="{FF2B5EF4-FFF2-40B4-BE49-F238E27FC236}">
-                <a16:creationId xmlns:a16="http://schemas.microsoft.com/office/drawing/2014/main" id="{5C6CC935-6718-174E-B856-B5D443EF308C}"/>
-              </a:ext>
-            </a:extLst>
-          </p:cNvPr>
-          <p:cNvGraphicFramePr>
-            <a:graphicFrameLocks noGrp="1"/>
-          </p:cNvGraphicFramePr>
-          <p:nvPr>
-            <p:extLst>
-              <p:ext uri="{D42A27DB-BD31-4B8C-83A1-F6EECF244321}">
-                <p14:modId xmlns:p14="http://schemas.microsoft.com/office/powerpoint/2010/main" val="1258733560"/>
-              </p:ext>
-            </p:extLst>
-          </p:nvPr>
-        </p:nvGraphicFramePr>
-        <p:xfrm>
-          <a:off x="4010025" y="3376454"/>
-          <a:ext cx="4171950" cy="426720"/>
-        </p:xfrm>
-        <a:graphic>
-          <a:graphicData uri="http://schemas.openxmlformats.org/drawingml/2006/table">
-            <a:tbl>
-              <a:tblPr/>
-              <a:tblGrid>
-                <a:gridCol w="4171950">
-                  <a:extLst>
-                    <a:ext uri="{9D8B030D-6E8A-4147-A177-3AD203B41FA5}">
-                      <a16:colId xmlns:a16="http://schemas.microsoft.com/office/drawing/2014/main" val="1328425593"/>
-                    </a:ext>
-                  </a:extLst>
-                </a:gridCol>
-              </a:tblGrid>
-              <a:tr h="0">
-                <a:tc>
-                  <a:txBody>
-                    <a:bodyPr/>
-                    <a:lstStyle/>
-                    <a:p>
-                      <a:pPr fontAlgn="t"/>
-                      <a:endParaRPr lang="en-US" dirty="0">
-                        <a:effectLst/>
-                        <a:latin typeface="Arial" panose="020B0604020202020204" pitchFamily="34" charset="0"/>
-                      </a:endParaRPr>
-                    </a:p>
-                  </a:txBody>
-                  <a:tcPr marT="76200" marB="76200">
-                    <a:lnL>
-                      <a:noFill/>
-                    </a:lnL>
-                    <a:lnR>
-                      <a:noFill/>
-                    </a:lnR>
-                    <a:lnT>
-                      <a:noFill/>
-                    </a:lnT>
-                    <a:lnB>
-                      <a:noFill/>
-                    </a:lnB>
-                  </a:tcPr>
-                </a:tc>
+      <mc:AlternateContent xmlns:mc="http://schemas.openxmlformats.org/markup-compatibility/2006">
+        <mc:Choice xmlns:a14="http://schemas.microsoft.com/office/drawing/2010/main" Requires="a14">
+          <p:sp>
+            <p:nvSpPr>
+              <p:cNvPr id="3" name="文本框 2">
                 <a:extLst>
-                  <a:ext uri="{0D108BD9-81ED-4DB2-BD59-A6C34878D82A}">
-                    <a16:rowId xmlns:a16="http://schemas.microsoft.com/office/drawing/2014/main" val="1983260976"/>
+                  <a:ext uri="{FF2B5EF4-FFF2-40B4-BE49-F238E27FC236}">
+                    <a16:creationId xmlns:a16="http://schemas.microsoft.com/office/drawing/2014/main" id="{DB7EF5C6-F567-7F46-A9F3-AC33A2C60EC9}"/>
                   </a:ext>
                 </a:extLst>
-              </a:tr>
-            </a:tbl>
-          </a:graphicData>
-        </a:graphic>
-      </p:graphicFrame>
+              </p:cNvPr>
+              <p:cNvSpPr txBox="1"/>
+              <p:nvPr/>
+            </p:nvSpPr>
+            <p:spPr>
+              <a:xfrm>
+                <a:off x="447983" y="1167512"/>
+                <a:ext cx="11024350" cy="1938992"/>
+              </a:xfrm>
+              <a:prstGeom prst="rect">
+                <a:avLst/>
+              </a:prstGeom>
+              <a:noFill/>
+            </p:spPr>
+            <p:txBody>
+              <a:bodyPr wrap="square" rtlCol="0">
+                <a:spAutoFit/>
+              </a:bodyPr>
+              <a:lstStyle/>
+              <a:p>
+                <a:pPr marL="342900" indent="-342900">
+                  <a:buFont typeface="Arial" panose="020B0604020202020204" pitchFamily="34" charset="0"/>
+                  <a:buChar char="•"/>
+                </a:pPr>
+                <a:r>
+                  <a:rPr kumimoji="1" lang="en-US" altLang="zh-CN" sz="2000" dirty="0">
+                    <a:latin typeface="Times New Roman" panose="02020603050405020304" pitchFamily="18" charset="0"/>
+                    <a:cs typeface="Times New Roman" panose="02020603050405020304" pitchFamily="18" charset="0"/>
+                  </a:rPr>
+                  <a:t>To get rid of the assumption of </a:t>
+                </a:r>
+                <a14:m>
+                  <m:oMath xmlns:m="http://schemas.openxmlformats.org/officeDocument/2006/math">
+                    <m:r>
+                      <a:rPr kumimoji="1" lang="en-US" altLang="zh-CN" sz="2000" b="0" i="1" smtClean="0">
+                        <a:latin typeface="Cambria Math" panose="02040503050406030204" pitchFamily="18" charset="0"/>
+                        <a:cs typeface="Times New Roman" panose="02020603050405020304" pitchFamily="18" charset="0"/>
+                      </a:rPr>
+                      <m:t>𝑟</m:t>
+                    </m:r>
+                  </m:oMath>
+                </a14:m>
+                <a:r>
+                  <a:rPr kumimoji="1" lang="en-US" altLang="zh-CN" sz="2000" dirty="0">
+                    <a:latin typeface="Times New Roman" panose="02020603050405020304" pitchFamily="18" charset="0"/>
+                    <a:cs typeface="Times New Roman" panose="02020603050405020304" pitchFamily="18" charset="0"/>
+                  </a:rPr>
+                  <a:t>, we will introduce more constraints in future work.</a:t>
+                </a:r>
+              </a:p>
+              <a:p>
+                <a:pPr marL="342900" indent="-342900">
+                  <a:buFont typeface="Arial" panose="020B0604020202020204" pitchFamily="34" charset="0"/>
+                  <a:buChar char="•"/>
+                </a:pPr>
+                <a:endParaRPr kumimoji="1" lang="en-US" altLang="zh-CN" sz="2000" dirty="0">
+                  <a:latin typeface="Times New Roman" panose="02020603050405020304" pitchFamily="18" charset="0"/>
+                  <a:cs typeface="Times New Roman" panose="02020603050405020304" pitchFamily="18" charset="0"/>
+                </a:endParaRPr>
+              </a:p>
+              <a:p>
+                <a:pPr marL="342900" indent="-342900">
+                  <a:buFont typeface="Arial" panose="020B0604020202020204" pitchFamily="34" charset="0"/>
+                  <a:buChar char="•"/>
+                </a:pPr>
+                <a:r>
+                  <a:rPr kumimoji="1" lang="en-US" altLang="zh-CN" sz="2000" dirty="0">
+                    <a:latin typeface="Times New Roman" panose="02020603050405020304" pitchFamily="18" charset="0"/>
+                    <a:cs typeface="Times New Roman" panose="02020603050405020304" pitchFamily="18" charset="0"/>
+                  </a:rPr>
+                  <a:t>The theoretical guarantees of different methods are not the same in the current experiment. The advantage will appear with larger datasets due to the large constants.</a:t>
+                </a:r>
+              </a:p>
+              <a:p>
+                <a:pPr marL="342900" indent="-342900">
+                  <a:buFont typeface="Arial" panose="020B0604020202020204" pitchFamily="34" charset="0"/>
+                  <a:buChar char="•"/>
+                </a:pPr>
+                <a:endParaRPr kumimoji="1" lang="en-US" altLang="zh-CN" sz="2000" dirty="0">
+                  <a:latin typeface="Times New Roman" panose="02020603050405020304" pitchFamily="18" charset="0"/>
+                  <a:cs typeface="Times New Roman" panose="02020603050405020304" pitchFamily="18" charset="0"/>
+                </a:endParaRPr>
+              </a:p>
+              <a:p>
+                <a:pPr marL="342900" indent="-342900">
+                  <a:buFont typeface="Arial" panose="020B0604020202020204" pitchFamily="34" charset="0"/>
+                  <a:buChar char="•"/>
+                </a:pPr>
+                <a:r>
+                  <a:rPr kumimoji="1" lang="en-US" altLang="zh-CN" sz="2000" dirty="0">
+                    <a:latin typeface="Times New Roman" panose="02020603050405020304" pitchFamily="18" charset="0"/>
+                    <a:cs typeface="Times New Roman" panose="02020603050405020304" pitchFamily="18" charset="0"/>
+                  </a:rPr>
+                  <a:t>The algorithms are implemented by Python. They can be further accelerated by using C++.</a:t>
+                </a:r>
+              </a:p>
+            </p:txBody>
+          </p:sp>
+        </mc:Choice>
+        <mc:Fallback>
+          <p:sp>
+            <p:nvSpPr>
+              <p:cNvPr id="3" name="文本框 2">
+                <a:extLst>
+                  <a:ext uri="{FF2B5EF4-FFF2-40B4-BE49-F238E27FC236}">
+                    <a16:creationId xmlns:a16="http://schemas.microsoft.com/office/drawing/2014/main" id="{DB7EF5C6-F567-7F46-A9F3-AC33A2C60EC9}"/>
+                  </a:ext>
+                </a:extLst>
+              </p:cNvPr>
+              <p:cNvSpPr txBox="1">
+                <a:spLocks noRot="1" noChangeAspect="1" noMove="1" noResize="1" noEditPoints="1" noAdjustHandles="1" noChangeArrowheads="1" noChangeShapeType="1" noTextEdit="1"/>
+              </p:cNvSpPr>
+              <p:nvPr/>
+            </p:nvSpPr>
+            <p:spPr>
+              <a:xfrm>
+                <a:off x="447983" y="1167512"/>
+                <a:ext cx="11024350" cy="1938992"/>
+              </a:xfrm>
+              <a:prstGeom prst="rect">
+                <a:avLst/>
+              </a:prstGeom>
+              <a:blipFill>
+                <a:blip r:embed="rId5"/>
+                <a:stretch>
+                  <a:fillRect l="-460" t="-1961" b="-5229"/>
+                </a:stretch>
+              </a:blipFill>
+            </p:spPr>
+            <p:txBody>
+              <a:bodyPr/>
+              <a:lstStyle/>
+              <a:p>
+                <a:r>
+                  <a:rPr lang="zh-CN" altLang="en-US">
+                    <a:noFill/>
+                  </a:rPr>
+                  <a:t> </a:t>
+                </a:r>
+              </a:p>
+            </p:txBody>
+          </p:sp>
+        </mc:Fallback>
+      </mc:AlternateContent>
     </p:spTree>
     <p:extLst>
       <p:ext uri="{BB962C8B-B14F-4D97-AF65-F5344CB8AC3E}">
-        <p14:creationId xmlns:p14="http://schemas.microsoft.com/office/powerpoint/2010/main" val="3994579917"/>
+        <p14:creationId xmlns:p14="http://schemas.microsoft.com/office/powerpoint/2010/main" val="3312541664"/>
       </p:ext>
     </p:extLst>
   </p:cSld>
